--- a/Aula01.pptx
+++ b/Aula01.pptx
@@ -4800,6 +4800,13 @@
             <a:endParaRPr lang="pt-BR" dirty="0"/>
           </a:p>
           <a:p>
+            <a:endParaRPr lang="pt-BR" dirty="0" smtClean="0"/>
+          </a:p>
+          <a:p>
+            <a:r>
+              <a:rPr lang="pt-BR" dirty="0"/>
+              <a:t>https://developer.android.com/guide/index.html</a:t>
+            </a:r>
             <a:endParaRPr lang="pt-BR" dirty="0"/>
           </a:p>
         </p:txBody>

--- a/Aula01.pptx
+++ b/Aula01.pptx
@@ -5,7 +5,7 @@
     <p:sldMasterId id="2147483660" r:id="rId1"/>
   </p:sldMasterIdLst>
   <p:notesMasterIdLst>
-    <p:notesMasterId r:id="rId42"/>
+    <p:notesMasterId r:id="rId43"/>
   </p:notesMasterIdLst>
   <p:sldIdLst>
     <p:sldId id="256" r:id="rId2"/>
@@ -30,24 +30,25 @@
     <p:sldId id="261" r:id="rId21"/>
     <p:sldId id="288" r:id="rId22"/>
     <p:sldId id="301" r:id="rId23"/>
-    <p:sldId id="302" r:id="rId24"/>
-    <p:sldId id="303" r:id="rId25"/>
-    <p:sldId id="304" r:id="rId26"/>
-    <p:sldId id="281" r:id="rId27"/>
-    <p:sldId id="272" r:id="rId28"/>
-    <p:sldId id="287" r:id="rId29"/>
-    <p:sldId id="267" r:id="rId30"/>
-    <p:sldId id="265" r:id="rId31"/>
-    <p:sldId id="271" r:id="rId32"/>
-    <p:sldId id="273" r:id="rId33"/>
-    <p:sldId id="274" r:id="rId34"/>
-    <p:sldId id="300" r:id="rId35"/>
-    <p:sldId id="305" r:id="rId36"/>
-    <p:sldId id="275" r:id="rId37"/>
-    <p:sldId id="306" r:id="rId38"/>
-    <p:sldId id="277" r:id="rId39"/>
-    <p:sldId id="278" r:id="rId40"/>
-    <p:sldId id="308" r:id="rId41"/>
+    <p:sldId id="309" r:id="rId24"/>
+    <p:sldId id="302" r:id="rId25"/>
+    <p:sldId id="303" r:id="rId26"/>
+    <p:sldId id="304" r:id="rId27"/>
+    <p:sldId id="281" r:id="rId28"/>
+    <p:sldId id="272" r:id="rId29"/>
+    <p:sldId id="287" r:id="rId30"/>
+    <p:sldId id="267" r:id="rId31"/>
+    <p:sldId id="265" r:id="rId32"/>
+    <p:sldId id="271" r:id="rId33"/>
+    <p:sldId id="273" r:id="rId34"/>
+    <p:sldId id="274" r:id="rId35"/>
+    <p:sldId id="300" r:id="rId36"/>
+    <p:sldId id="305" r:id="rId37"/>
+    <p:sldId id="275" r:id="rId38"/>
+    <p:sldId id="306" r:id="rId39"/>
+    <p:sldId id="277" r:id="rId40"/>
+    <p:sldId id="278" r:id="rId41"/>
+    <p:sldId id="308" r:id="rId42"/>
   </p:sldIdLst>
   <p:sldSz cx="9144000" cy="6858000" type="screen4x3"/>
   <p:notesSz cx="6858000" cy="9144000"/>
@@ -573,7 +574,7 @@
             <a:fld id="{02248E50-414E-4D92-8291-AB7F66EA3997}" type="slidenum">
               <a:rPr lang="pt-BR" smtClean="0"/>
               <a:pPr/>
-              <a:t>28</a:t>
+              <a:t>29</a:t>
             </a:fld>
             <a:endParaRPr lang="pt-BR"/>
           </a:p>
@@ -4807,7 +4808,6 @@
               <a:rPr lang="pt-BR" dirty="0"/>
               <a:t>https://developer.android.com/guide/index.html</a:t>
             </a:r>
-            <a:endParaRPr lang="pt-BR" dirty="0"/>
           </a:p>
         </p:txBody>
       </p:sp>
@@ -6999,7 +6999,11 @@
           <a:p>
             <a:r>
               <a:rPr lang="pt-BR" dirty="0" err="1" smtClean="0"/>
-              <a:t>Framelayout</a:t>
+              <a:t>Constrait</a:t>
+            </a:r>
+            <a:r>
+              <a:rPr lang="pt-BR" dirty="0" smtClean="0"/>
+              <a:t> Layout</a:t>
             </a:r>
             <a:endParaRPr lang="pt-BR" dirty="0"/>
           </a:p>
@@ -7017,26 +7021,51 @@
         </p:nvSpPr>
         <p:spPr/>
         <p:txBody>
-          <a:bodyPr/>
-          <a:lstStyle/>
-          <a:p>
+          <a:bodyPr>
+            <a:normAutofit lnSpcReduction="10000"/>
+          </a:bodyPr>
+          <a:lstStyle/>
+          <a:p>
+            <a:r>
+              <a:rPr lang="pt-BR" dirty="0" smtClean="0"/>
+              <a:t>Cada elemento apresenta uma conexão com outro elemento;</a:t>
+            </a:r>
+          </a:p>
+          <a:p>
+            <a:endParaRPr lang="pt-BR" dirty="0" smtClean="0"/>
+          </a:p>
+          <a:p>
+            <a:r>
+              <a:rPr lang="pt-BR" dirty="0" smtClean="0"/>
+              <a:t>Similar ao </a:t>
+            </a:r>
+            <a:r>
+              <a:rPr lang="pt-BR" dirty="0" err="1" smtClean="0"/>
+              <a:t>Relative</a:t>
+            </a:r>
+            <a:r>
+              <a:rPr lang="pt-BR" dirty="0" smtClean="0"/>
+              <a:t> Layout;</a:t>
+            </a:r>
+          </a:p>
+          <a:p>
+            <a:endParaRPr lang="pt-BR" dirty="0"/>
+          </a:p>
+          <a:p>
+            <a:endParaRPr lang="pt-BR" dirty="0" smtClean="0"/>
+          </a:p>
+          <a:p>
+            <a:endParaRPr lang="pt-BR" dirty="0"/>
+          </a:p>
+          <a:p>
+            <a:r>
+              <a:rPr lang="pt-BR" dirty="0" smtClean="0"/>
+              <a:t>Referência: https</a:t>
+            </a:r>
             <a:r>
               <a:rPr lang="pt-BR" dirty="0"/>
-              <a:t>Um </a:t>
-            </a:r>
-            <a:r>
-              <a:rPr lang="pt-BR" dirty="0" err="1"/>
-              <a:t>ViewGroup</a:t>
-            </a:r>
-            <a:r>
-              <a:rPr lang="pt-BR" dirty="0"/>
-              <a:t> significa a visualização de uma única </a:t>
-            </a:r>
-            <a:r>
-              <a:rPr lang="pt-BR" dirty="0" smtClean="0"/>
-              <a:t>filha;</a:t>
-            </a:r>
-            <a:endParaRPr lang="pt-BR" dirty="0"/>
+              <a:t>://developer.android.com/training/constraint-layout/index.html</a:t>
+            </a:r>
           </a:p>
         </p:txBody>
       </p:sp>
@@ -7059,6 +7088,159 @@
               <a:rPr lang="pt-BR" smtClean="0"/>
               <a:pPr/>
               <a:t>23</a:t>
+            </a:fld>
+            <a:endParaRPr lang="pt-BR"/>
+          </a:p>
+        </p:txBody>
+      </p:sp>
+      <p:pic>
+        <p:nvPicPr>
+          <p:cNvPr id="1026" name="Picture 2" descr="https://developer.android.com/training/constraint-layout/images/constraint-fail-fixed_2x.png"/>
+          <p:cNvPicPr>
+            <a:picLocks noChangeAspect="1" noChangeArrowheads="1"/>
+          </p:cNvPicPr>
+          <p:nvPr/>
+        </p:nvPicPr>
+        <p:blipFill>
+          <a:blip r:embed="rId2">
+            <a:extLst>
+              <a:ext uri="{28A0092B-C50C-407E-A947-70E740481C1C}">
+                <a14:useLocalDpi xmlns:a14="http://schemas.microsoft.com/office/drawing/2010/main" val="0"/>
+              </a:ext>
+            </a:extLst>
+          </a:blip>
+          <a:srcRect/>
+          <a:stretch>
+            <a:fillRect/>
+          </a:stretch>
+        </p:blipFill>
+        <p:spPr bwMode="auto">
+          <a:xfrm>
+            <a:off x="4724400" y="3068960"/>
+            <a:ext cx="4419600" cy="2133601"/>
+          </a:xfrm>
+          <a:prstGeom prst="rect">
+            <a:avLst/>
+          </a:prstGeom>
+          <a:noFill/>
+          <a:extLst>
+            <a:ext uri="{909E8E84-426E-40DD-AFC4-6F175D3DCCD1}">
+              <a14:hiddenFill xmlns:a14="http://schemas.microsoft.com/office/drawing/2010/main">
+                <a:solidFill>
+                  <a:srgbClr val="FFFFFF"/>
+                </a:solidFill>
+              </a14:hiddenFill>
+            </a:ext>
+          </a:extLst>
+        </p:spPr>
+      </p:pic>
+    </p:spTree>
+    <p:extLst>
+      <p:ext uri="{BB962C8B-B14F-4D97-AF65-F5344CB8AC3E}">
+        <p14:creationId xmlns:p14="http://schemas.microsoft.com/office/powerpoint/2010/main" val="4194014479"/>
+      </p:ext>
+    </p:extLst>
+  </p:cSld>
+  <p:clrMapOvr>
+    <a:masterClrMapping/>
+  </p:clrMapOvr>
+</p:sld>
+</file>
+
+<file path=ppt/slides/slide24.xml><?xml version="1.0" encoding="utf-8"?>
+<p:sld xmlns:a="http://schemas.openxmlformats.org/drawingml/2006/main" xmlns:r="http://schemas.openxmlformats.org/officeDocument/2006/relationships" xmlns:p="http://schemas.openxmlformats.org/presentationml/2006/main">
+  <p:cSld>
+    <p:spTree>
+      <p:nvGrpSpPr>
+        <p:cNvPr id="1" name=""/>
+        <p:cNvGrpSpPr/>
+        <p:nvPr/>
+      </p:nvGrpSpPr>
+      <p:grpSpPr>
+        <a:xfrm>
+          <a:off x="0" y="0"/>
+          <a:ext cx="0" cy="0"/>
+          <a:chOff x="0" y="0"/>
+          <a:chExt cx="0" cy="0"/>
+        </a:xfrm>
+      </p:grpSpPr>
+      <p:sp>
+        <p:nvSpPr>
+          <p:cNvPr id="2" name="Título 1"/>
+          <p:cNvSpPr>
+            <a:spLocks noGrp="1"/>
+          </p:cNvSpPr>
+          <p:nvPr>
+            <p:ph type="title"/>
+          </p:nvPr>
+        </p:nvSpPr>
+        <p:spPr/>
+        <p:txBody>
+          <a:bodyPr/>
+          <a:lstStyle/>
+          <a:p>
+            <a:r>
+              <a:rPr lang="pt-BR" dirty="0" err="1" smtClean="0"/>
+              <a:t>Framelayout</a:t>
+            </a:r>
+            <a:endParaRPr lang="pt-BR" dirty="0"/>
+          </a:p>
+        </p:txBody>
+      </p:sp>
+      <p:sp>
+        <p:nvSpPr>
+          <p:cNvPr id="3" name="Espaço Reservado para Conteúdo 2"/>
+          <p:cNvSpPr>
+            <a:spLocks noGrp="1"/>
+          </p:cNvSpPr>
+          <p:nvPr>
+            <p:ph idx="1"/>
+          </p:nvPr>
+        </p:nvSpPr>
+        <p:spPr/>
+        <p:txBody>
+          <a:bodyPr/>
+          <a:lstStyle/>
+          <a:p>
+            <a:r>
+              <a:rPr lang="pt-BR" dirty="0"/>
+              <a:t>Um </a:t>
+            </a:r>
+            <a:r>
+              <a:rPr lang="pt-BR" dirty="0" err="1"/>
+              <a:t>ViewGroup</a:t>
+            </a:r>
+            <a:r>
+              <a:rPr lang="pt-BR" dirty="0"/>
+              <a:t> significa a visualização de uma única </a:t>
+            </a:r>
+            <a:r>
+              <a:rPr lang="pt-BR" dirty="0" smtClean="0"/>
+              <a:t>filha;</a:t>
+            </a:r>
+            <a:endParaRPr lang="pt-BR" dirty="0"/>
+          </a:p>
+        </p:txBody>
+      </p:sp>
+      <p:sp>
+        <p:nvSpPr>
+          <p:cNvPr id="4" name="Espaço Reservado para Número de Slide 3"/>
+          <p:cNvSpPr>
+            <a:spLocks noGrp="1"/>
+          </p:cNvSpPr>
+          <p:nvPr>
+            <p:ph type="sldNum" sz="quarter" idx="12"/>
+          </p:nvPr>
+        </p:nvSpPr>
+        <p:spPr/>
+        <p:txBody>
+          <a:bodyPr/>
+          <a:lstStyle/>
+          <a:p>
+            <a:fld id="{2119D8CF-8DEC-4D9F-84EE-ADF04DFF3391}" type="slidenum">
+              <a:rPr lang="pt-BR" smtClean="0"/>
+              <a:pPr/>
+              <a:t>24</a:t>
             </a:fld>
             <a:endParaRPr lang="pt-BR"/>
           </a:p>
@@ -7125,7 +7307,7 @@
 </p:sld>
 </file>
 
-<file path=ppt/slides/slide24.xml><?xml version="1.0" encoding="utf-8"?>
+<file path=ppt/slides/slide25.xml><?xml version="1.0" encoding="utf-8"?>
 <p:sld xmlns:a="http://schemas.openxmlformats.org/drawingml/2006/main" xmlns:r="http://schemas.openxmlformats.org/officeDocument/2006/relationships" xmlns:p="http://schemas.openxmlformats.org/presentationml/2006/main">
   <p:cSld>
     <p:spTree>
@@ -7205,7 +7387,7 @@
             <a:fld id="{2119D8CF-8DEC-4D9F-84EE-ADF04DFF3391}" type="slidenum">
               <a:rPr lang="pt-BR" smtClean="0"/>
               <a:pPr/>
-              <a:t>24</a:t>
+              <a:t>25</a:t>
             </a:fld>
             <a:endParaRPr lang="pt-BR"/>
           </a:p>
@@ -7272,7 +7454,7 @@
 </p:sld>
 </file>
 
-<file path=ppt/slides/slide25.xml><?xml version="1.0" encoding="utf-8"?>
+<file path=ppt/slides/slide26.xml><?xml version="1.0" encoding="utf-8"?>
 <p:sld xmlns:a="http://schemas.openxmlformats.org/drawingml/2006/main" xmlns:r="http://schemas.openxmlformats.org/officeDocument/2006/relationships" xmlns:p="http://schemas.openxmlformats.org/presentationml/2006/main">
   <p:cSld>
     <p:spTree>
@@ -7377,7 +7559,7 @@
             <a:fld id="{2119D8CF-8DEC-4D9F-84EE-ADF04DFF3391}" type="slidenum">
               <a:rPr lang="pt-BR" smtClean="0"/>
               <a:pPr/>
-              <a:t>25</a:t>
+              <a:t>26</a:t>
             </a:fld>
             <a:endParaRPr lang="pt-BR"/>
           </a:p>
@@ -7457,7 +7639,7 @@
 </p:sld>
 </file>
 
-<file path=ppt/slides/slide26.xml><?xml version="1.0" encoding="utf-8"?>
+<file path=ppt/slides/slide27.xml><?xml version="1.0" encoding="utf-8"?>
 <p:sld xmlns:a="http://schemas.openxmlformats.org/drawingml/2006/main" xmlns:r="http://schemas.openxmlformats.org/officeDocument/2006/relationships" xmlns:p="http://schemas.openxmlformats.org/presentationml/2006/main">
   <p:cSld>
     <p:spTree>
@@ -7629,7 +7811,7 @@
             <a:fld id="{2119D8CF-8DEC-4D9F-84EE-ADF04DFF3391}" type="slidenum">
               <a:rPr lang="pt-BR" smtClean="0"/>
               <a:pPr/>
-              <a:t>26</a:t>
+              <a:t>27</a:t>
             </a:fld>
             <a:endParaRPr lang="pt-BR"/>
           </a:p>
@@ -7655,7 +7837,7 @@
 </p:sld>
 </file>
 
-<file path=ppt/slides/slide27.xml><?xml version="1.0" encoding="utf-8"?>
+<file path=ppt/slides/slide28.xml><?xml version="1.0" encoding="utf-8"?>
 <p:sld xmlns:a="http://schemas.openxmlformats.org/drawingml/2006/main" xmlns:r="http://schemas.openxmlformats.org/officeDocument/2006/relationships" xmlns:p="http://schemas.openxmlformats.org/presentationml/2006/main">
   <p:cSld>
     <p:spTree>
@@ -7775,7 +7957,7 @@
             <a:fld id="{2119D8CF-8DEC-4D9F-84EE-ADF04DFF3391}" type="slidenum">
               <a:rPr lang="pt-BR" smtClean="0"/>
               <a:pPr/>
-              <a:t>27</a:t>
+              <a:t>28</a:t>
             </a:fld>
             <a:endParaRPr lang="pt-BR"/>
           </a:p>
@@ -7842,170 +8024,6 @@
 </p:sld>
 </file>
 
-<file path=ppt/slides/slide28.xml><?xml version="1.0" encoding="utf-8"?>
-<p:sld xmlns:a="http://schemas.openxmlformats.org/drawingml/2006/main" xmlns:r="http://schemas.openxmlformats.org/officeDocument/2006/relationships" xmlns:p="http://schemas.openxmlformats.org/presentationml/2006/main">
-  <p:cSld>
-    <p:spTree>
-      <p:nvGrpSpPr>
-        <p:cNvPr id="1" name=""/>
-        <p:cNvGrpSpPr/>
-        <p:nvPr/>
-      </p:nvGrpSpPr>
-      <p:grpSpPr>
-        <a:xfrm>
-          <a:off x="0" y="0"/>
-          <a:ext cx="0" cy="0"/>
-          <a:chOff x="0" y="0"/>
-          <a:chExt cx="0" cy="0"/>
-        </a:xfrm>
-      </p:grpSpPr>
-      <p:sp>
-        <p:nvSpPr>
-          <p:cNvPr id="2" name="Título 1"/>
-          <p:cNvSpPr>
-            <a:spLocks noGrp="1"/>
-          </p:cNvSpPr>
-          <p:nvPr>
-            <p:ph type="title"/>
-          </p:nvPr>
-        </p:nvSpPr>
-        <p:spPr/>
-        <p:txBody>
-          <a:bodyPr/>
-          <a:lstStyle/>
-          <a:p>
-            <a:r>
-              <a:rPr lang="pt-BR" dirty="0" err="1" smtClean="0"/>
-              <a:t>Adapter</a:t>
-            </a:r>
-            <a:endParaRPr lang="pt-BR" dirty="0"/>
-          </a:p>
-        </p:txBody>
-      </p:sp>
-      <p:sp>
-        <p:nvSpPr>
-          <p:cNvPr id="3" name="Espaço Reservado para Conteúdo 2"/>
-          <p:cNvSpPr>
-            <a:spLocks noGrp="1"/>
-          </p:cNvSpPr>
-          <p:nvPr>
-            <p:ph idx="1"/>
-          </p:nvPr>
-        </p:nvSpPr>
-        <p:spPr/>
-        <p:txBody>
-          <a:bodyPr>
-            <a:normAutofit fontScale="92500" lnSpcReduction="10000"/>
-          </a:bodyPr>
-          <a:lstStyle/>
-          <a:p>
-            <a:r>
-              <a:rPr lang="pt-BR" dirty="0" smtClean="0"/>
-              <a:t>Como ligar os dados ao </a:t>
-            </a:r>
-            <a:r>
-              <a:rPr lang="pt-BR" dirty="0" err="1" smtClean="0"/>
-              <a:t>ListView</a:t>
-            </a:r>
-            <a:r>
-              <a:rPr lang="pt-BR" dirty="0" smtClean="0"/>
-              <a:t>?</a:t>
-            </a:r>
-          </a:p>
-          <a:p>
-            <a:pPr lvl="1"/>
-            <a:endParaRPr lang="pt-BR" dirty="0" smtClean="0"/>
-          </a:p>
-          <a:p>
-            <a:pPr lvl="1"/>
-            <a:r>
-              <a:rPr lang="pt-BR" dirty="0" err="1" smtClean="0"/>
-              <a:t>Adapter</a:t>
-            </a:r>
-            <a:r>
-              <a:rPr lang="pt-BR" dirty="0" smtClean="0"/>
-              <a:t>;</a:t>
-            </a:r>
-          </a:p>
-          <a:p>
-            <a:pPr lvl="1"/>
-            <a:endParaRPr lang="pt-BR" dirty="0"/>
-          </a:p>
-          <a:p>
-            <a:pPr lvl="1"/>
-            <a:r>
-              <a:rPr lang="pt-BR" dirty="0" smtClean="0"/>
-              <a:t>Apresenta as informações ao usuário.</a:t>
-            </a:r>
-          </a:p>
-          <a:p>
-            <a:pPr lvl="1"/>
-            <a:endParaRPr lang="pt-BR" dirty="0"/>
-          </a:p>
-          <a:p>
-            <a:pPr lvl="1"/>
-            <a:endParaRPr lang="pt-BR" dirty="0" smtClean="0"/>
-          </a:p>
-          <a:p>
-            <a:pPr lvl="1"/>
-            <a:endParaRPr lang="pt-BR" dirty="0"/>
-          </a:p>
-          <a:p>
-            <a:r>
-              <a:rPr lang="pt-BR" dirty="0"/>
-              <a:t>Referência: https://developer.android.com/guide/topics/ui/layout/listview.html?hl=pt-br</a:t>
-            </a:r>
-          </a:p>
-          <a:p>
-            <a:pPr lvl="1"/>
-            <a:endParaRPr lang="pt-BR" dirty="0"/>
-          </a:p>
-        </p:txBody>
-      </p:sp>
-      <p:sp>
-        <p:nvSpPr>
-          <p:cNvPr id="4" name="Espaço Reservado para Número de Slide 3"/>
-          <p:cNvSpPr>
-            <a:spLocks noGrp="1"/>
-          </p:cNvSpPr>
-          <p:nvPr>
-            <p:ph type="sldNum" sz="quarter" idx="12"/>
-          </p:nvPr>
-        </p:nvSpPr>
-        <p:spPr/>
-        <p:txBody>
-          <a:bodyPr/>
-          <a:lstStyle/>
-          <a:p>
-            <a:fld id="{2119D8CF-8DEC-4D9F-84EE-ADF04DFF3391}" type="slidenum">
-              <a:rPr lang="pt-BR" smtClean="0"/>
-              <a:pPr/>
-              <a:t>28</a:t>
-            </a:fld>
-            <a:endParaRPr lang="pt-BR"/>
-          </a:p>
-        </p:txBody>
-      </p:sp>
-    </p:spTree>
-    <p:extLst>
-      <p:ext uri="{BB962C8B-B14F-4D97-AF65-F5344CB8AC3E}">
-        <p14:creationId xmlns:p14="http://schemas.microsoft.com/office/powerpoint/2010/main" val="1150490647"/>
-      </p:ext>
-    </p:extLst>
-  </p:cSld>
-  <p:clrMapOvr>
-    <a:masterClrMapping/>
-  </p:clrMapOvr>
-  <p:timing>
-    <p:tnLst>
-      <p:par>
-        <p:cTn id="1" dur="indefinite" restart="never" nodeType="tmRoot"/>
-      </p:par>
-    </p:tnLst>
-  </p:timing>
-</p:sld>
-</file>
-
 <file path=ppt/slides/slide29.xml><?xml version="1.0" encoding="utf-8"?>
 <p:sld xmlns:a="http://schemas.openxmlformats.org/drawingml/2006/main" xmlns:r="http://schemas.openxmlformats.org/officeDocument/2006/relationships" xmlns:p="http://schemas.openxmlformats.org/presentationml/2006/main">
   <p:cSld>
@@ -8040,7 +8058,7 @@
           <a:p>
             <a:r>
               <a:rPr lang="pt-BR" dirty="0" err="1" smtClean="0"/>
-              <a:t>Toast</a:t>
+              <a:t>Adapter</a:t>
             </a:r>
             <a:endParaRPr lang="pt-BR" dirty="0"/>
           </a:p>
@@ -8058,46 +8076,71 @@
         </p:nvSpPr>
         <p:spPr/>
         <p:txBody>
-          <a:bodyPr/>
-          <a:lstStyle/>
-          <a:p>
-            <a:r>
-              <a:rPr lang="pt-BR" dirty="0" smtClean="0"/>
-              <a:t>Pequeno </a:t>
+          <a:bodyPr>
+            <a:normAutofit fontScale="92500" lnSpcReduction="10000"/>
+          </a:bodyPr>
+          <a:lstStyle/>
+          <a:p>
+            <a:r>
+              <a:rPr lang="pt-BR" dirty="0" smtClean="0"/>
+              <a:t>Como ligar os dados ao </a:t>
             </a:r>
             <a:r>
               <a:rPr lang="pt-BR" dirty="0" err="1" smtClean="0"/>
-              <a:t>popup</a:t>
-            </a:r>
-            <a:r>
-              <a:rPr lang="pt-BR" dirty="0" smtClean="0"/>
-              <a:t> para dar feedback sobre uma ação;</a:t>
-            </a:r>
-          </a:p>
-          <a:p>
+              <a:t>ListView</a:t>
+            </a:r>
+            <a:r>
+              <a:rPr lang="pt-BR" dirty="0" smtClean="0"/>
+              <a:t>?</a:t>
+            </a:r>
+          </a:p>
+          <a:p>
+            <a:pPr lvl="1"/>
+            <a:endParaRPr lang="pt-BR" dirty="0" smtClean="0"/>
+          </a:p>
+          <a:p>
+            <a:pPr lvl="1"/>
+            <a:r>
+              <a:rPr lang="pt-BR" dirty="0" err="1" smtClean="0"/>
+              <a:t>Adapter</a:t>
+            </a:r>
+            <a:r>
+              <a:rPr lang="pt-BR" dirty="0" smtClean="0"/>
+              <a:t>;</a:t>
+            </a:r>
+          </a:p>
+          <a:p>
+            <a:pPr lvl="1"/>
             <a:endParaRPr lang="pt-BR" dirty="0"/>
           </a:p>
           <a:p>
+            <a:pPr lvl="1"/>
+            <a:r>
+              <a:rPr lang="pt-BR" dirty="0" smtClean="0"/>
+              <a:t>Apresenta as informações ao usuário.</a:t>
+            </a:r>
+          </a:p>
+          <a:p>
+            <a:pPr lvl="1"/>
+            <a:endParaRPr lang="pt-BR" dirty="0"/>
+          </a:p>
+          <a:p>
+            <a:pPr lvl="1"/>
             <a:endParaRPr lang="pt-BR" dirty="0" smtClean="0"/>
           </a:p>
           <a:p>
+            <a:pPr lvl="1"/>
             <a:endParaRPr lang="pt-BR" dirty="0"/>
           </a:p>
           <a:p>
-            <a:endParaRPr lang="pt-BR" dirty="0" smtClean="0"/>
-          </a:p>
-          <a:p>
+            <a:r>
+              <a:rPr lang="pt-BR" dirty="0"/>
+              <a:t>Referência: https://developer.android.com/guide/topics/ui/layout/listview.html?hl=pt-br</a:t>
+            </a:r>
+          </a:p>
+          <a:p>
+            <a:pPr lvl="1"/>
             <a:endParaRPr lang="pt-BR" dirty="0"/>
-          </a:p>
-          <a:p>
-            <a:r>
-              <a:rPr lang="pt-BR" dirty="0" smtClean="0"/>
-              <a:t>Referência: https</a:t>
-            </a:r>
-            <a:r>
-              <a:rPr lang="pt-BR" dirty="0"/>
-              <a:t>://developer.android.com/guide/topics/ui/notifiers/toasts.html</a:t>
-            </a:r>
           </a:p>
         </p:txBody>
       </p:sp>
@@ -8125,51 +8168,10 @@
           </a:p>
         </p:txBody>
       </p:sp>
-      <p:pic>
-        <p:nvPicPr>
-          <p:cNvPr id="1026" name="Picture 2" descr="https://developer.android.com/images/toast.png"/>
-          <p:cNvPicPr>
-            <a:picLocks noChangeAspect="1" noChangeArrowheads="1"/>
-          </p:cNvPicPr>
-          <p:nvPr/>
-        </p:nvPicPr>
-        <p:blipFill>
-          <a:blip r:embed="rId2">
-            <a:extLst>
-              <a:ext uri="{28A0092B-C50C-407E-A947-70E740481C1C}">
-                <a14:useLocalDpi xmlns:a14="http://schemas.microsoft.com/office/drawing/2010/main" val="0"/>
-              </a:ext>
-            </a:extLst>
-          </a:blip>
-          <a:srcRect/>
-          <a:stretch>
-            <a:fillRect/>
-          </a:stretch>
-        </p:blipFill>
-        <p:spPr bwMode="auto">
-          <a:xfrm>
-            <a:off x="2843808" y="2996952"/>
-            <a:ext cx="2857500" cy="1828800"/>
-          </a:xfrm>
-          <a:prstGeom prst="rect">
-            <a:avLst/>
-          </a:prstGeom>
-          <a:noFill/>
-          <a:extLst>
-            <a:ext uri="{909E8E84-426E-40DD-AFC4-6F175D3DCCD1}">
-              <a14:hiddenFill xmlns:a14="http://schemas.microsoft.com/office/drawing/2010/main">
-                <a:solidFill>
-                  <a:srgbClr val="FFFFFF"/>
-                </a:solidFill>
-              </a14:hiddenFill>
-            </a:ext>
-          </a:extLst>
-        </p:spPr>
-      </p:pic>
     </p:spTree>
     <p:extLst>
       <p:ext uri="{BB962C8B-B14F-4D97-AF65-F5344CB8AC3E}">
-        <p14:creationId xmlns:p14="http://schemas.microsoft.com/office/powerpoint/2010/main" val="2087191872"/>
+        <p14:creationId xmlns:p14="http://schemas.microsoft.com/office/powerpoint/2010/main" val="1150490647"/>
       </p:ext>
     </p:extLst>
   </p:cSld>
@@ -8364,7 +8366,7 @@
           <a:p>
             <a:r>
               <a:rPr lang="pt-BR" dirty="0" err="1" smtClean="0"/>
-              <a:t>AsyncTask</a:t>
+              <a:t>Toast</a:t>
             </a:r>
             <a:endParaRPr lang="pt-BR" dirty="0"/>
           </a:p>
@@ -8386,36 +8388,42 @@
           <a:lstStyle/>
           <a:p>
             <a:r>
+              <a:rPr lang="pt-BR" dirty="0" smtClean="0"/>
+              <a:t>Pequeno </a:t>
+            </a:r>
+            <a:r>
+              <a:rPr lang="pt-BR" dirty="0" err="1" smtClean="0"/>
+              <a:t>popup</a:t>
+            </a:r>
+            <a:r>
+              <a:rPr lang="pt-BR" dirty="0" smtClean="0"/>
+              <a:t> para dar feedback sobre uma ação;</a:t>
+            </a:r>
+          </a:p>
+          <a:p>
+            <a:endParaRPr lang="pt-BR" dirty="0"/>
+          </a:p>
+          <a:p>
+            <a:endParaRPr lang="pt-BR" dirty="0" smtClean="0"/>
+          </a:p>
+          <a:p>
+            <a:endParaRPr lang="pt-BR" dirty="0"/>
+          </a:p>
+          <a:p>
+            <a:endParaRPr lang="pt-BR" dirty="0" smtClean="0"/>
+          </a:p>
+          <a:p>
+            <a:endParaRPr lang="pt-BR" dirty="0"/>
+          </a:p>
+          <a:p>
+            <a:r>
+              <a:rPr lang="pt-BR" dirty="0" smtClean="0"/>
+              <a:t>Referência: https</a:t>
+            </a:r>
+            <a:r>
               <a:rPr lang="pt-BR" dirty="0"/>
-              <a:t>Permite executar operações em segundo plano e publicar resultados na </a:t>
-            </a:r>
-            <a:r>
-              <a:rPr lang="pt-BR" dirty="0" err="1"/>
-              <a:t>Activity</a:t>
-            </a:r>
-            <a:r>
-              <a:rPr lang="pt-BR" dirty="0"/>
-              <a:t>/UI sem </a:t>
-            </a:r>
-            <a:r>
-              <a:rPr lang="pt-BR" dirty="0" smtClean="0"/>
-              <a:t>ter que </a:t>
-            </a:r>
-            <a:r>
-              <a:rPr lang="pt-BR" dirty="0"/>
-              <a:t>manipular threads </a:t>
-            </a:r>
-            <a:r>
-              <a:rPr lang="pt-BR" dirty="0" smtClean="0"/>
-              <a:t>diretamente;</a:t>
-            </a:r>
-          </a:p>
-          <a:p>
-            <a:r>
-              <a:rPr lang="pt-BR" dirty="0" smtClean="0"/>
-              <a:t>Divisão um processo em várias tarefas;</a:t>
-            </a:r>
-            <a:endParaRPr lang="pt-BR" dirty="0"/>
+              <a:t>://developer.android.com/guide/topics/ui/notifiers/toasts.html</a:t>
+            </a:r>
           </a:p>
         </p:txBody>
       </p:sp>
@@ -8438,6 +8446,180 @@
               <a:rPr lang="pt-BR" smtClean="0"/>
               <a:pPr/>
               <a:t>30</a:t>
+            </a:fld>
+            <a:endParaRPr lang="pt-BR"/>
+          </a:p>
+        </p:txBody>
+      </p:sp>
+      <p:pic>
+        <p:nvPicPr>
+          <p:cNvPr id="1026" name="Picture 2" descr="https://developer.android.com/images/toast.png"/>
+          <p:cNvPicPr>
+            <a:picLocks noChangeAspect="1" noChangeArrowheads="1"/>
+          </p:cNvPicPr>
+          <p:nvPr/>
+        </p:nvPicPr>
+        <p:blipFill>
+          <a:blip r:embed="rId2">
+            <a:extLst>
+              <a:ext uri="{28A0092B-C50C-407E-A947-70E740481C1C}">
+                <a14:useLocalDpi xmlns:a14="http://schemas.microsoft.com/office/drawing/2010/main" val="0"/>
+              </a:ext>
+            </a:extLst>
+          </a:blip>
+          <a:srcRect/>
+          <a:stretch>
+            <a:fillRect/>
+          </a:stretch>
+        </p:blipFill>
+        <p:spPr bwMode="auto">
+          <a:xfrm>
+            <a:off x="2843808" y="2996952"/>
+            <a:ext cx="2857500" cy="1828800"/>
+          </a:xfrm>
+          <a:prstGeom prst="rect">
+            <a:avLst/>
+          </a:prstGeom>
+          <a:noFill/>
+          <a:extLst>
+            <a:ext uri="{909E8E84-426E-40DD-AFC4-6F175D3DCCD1}">
+              <a14:hiddenFill xmlns:a14="http://schemas.microsoft.com/office/drawing/2010/main">
+                <a:solidFill>
+                  <a:srgbClr val="FFFFFF"/>
+                </a:solidFill>
+              </a14:hiddenFill>
+            </a:ext>
+          </a:extLst>
+        </p:spPr>
+      </p:pic>
+    </p:spTree>
+    <p:extLst>
+      <p:ext uri="{BB962C8B-B14F-4D97-AF65-F5344CB8AC3E}">
+        <p14:creationId xmlns:p14="http://schemas.microsoft.com/office/powerpoint/2010/main" val="2087191872"/>
+      </p:ext>
+    </p:extLst>
+  </p:cSld>
+  <p:clrMapOvr>
+    <a:masterClrMapping/>
+  </p:clrMapOvr>
+  <p:timing>
+    <p:tnLst>
+      <p:par>
+        <p:cTn id="1" dur="indefinite" restart="never" nodeType="tmRoot"/>
+      </p:par>
+    </p:tnLst>
+  </p:timing>
+</p:sld>
+</file>
+
+<file path=ppt/slides/slide31.xml><?xml version="1.0" encoding="utf-8"?>
+<p:sld xmlns:a="http://schemas.openxmlformats.org/drawingml/2006/main" xmlns:r="http://schemas.openxmlformats.org/officeDocument/2006/relationships" xmlns:p="http://schemas.openxmlformats.org/presentationml/2006/main">
+  <p:cSld>
+    <p:spTree>
+      <p:nvGrpSpPr>
+        <p:cNvPr id="1" name=""/>
+        <p:cNvGrpSpPr/>
+        <p:nvPr/>
+      </p:nvGrpSpPr>
+      <p:grpSpPr>
+        <a:xfrm>
+          <a:off x="0" y="0"/>
+          <a:ext cx="0" cy="0"/>
+          <a:chOff x="0" y="0"/>
+          <a:chExt cx="0" cy="0"/>
+        </a:xfrm>
+      </p:grpSpPr>
+      <p:sp>
+        <p:nvSpPr>
+          <p:cNvPr id="2" name="Título 1"/>
+          <p:cNvSpPr>
+            <a:spLocks noGrp="1"/>
+          </p:cNvSpPr>
+          <p:nvPr>
+            <p:ph type="title"/>
+          </p:nvPr>
+        </p:nvSpPr>
+        <p:spPr/>
+        <p:txBody>
+          <a:bodyPr/>
+          <a:lstStyle/>
+          <a:p>
+            <a:r>
+              <a:rPr lang="pt-BR" dirty="0" err="1" smtClean="0"/>
+              <a:t>AsyncTask</a:t>
+            </a:r>
+            <a:endParaRPr lang="pt-BR" dirty="0"/>
+          </a:p>
+        </p:txBody>
+      </p:sp>
+      <p:sp>
+        <p:nvSpPr>
+          <p:cNvPr id="3" name="Espaço Reservado para Conteúdo 2"/>
+          <p:cNvSpPr>
+            <a:spLocks noGrp="1"/>
+          </p:cNvSpPr>
+          <p:nvPr>
+            <p:ph idx="1"/>
+          </p:nvPr>
+        </p:nvSpPr>
+        <p:spPr/>
+        <p:txBody>
+          <a:bodyPr/>
+          <a:lstStyle/>
+          <a:p>
+            <a:r>
+              <a:rPr lang="pt-BR" dirty="0"/>
+              <a:t>Permite executar operações em segundo plano e publicar resultados na </a:t>
+            </a:r>
+            <a:r>
+              <a:rPr lang="pt-BR" dirty="0" err="1"/>
+              <a:t>Activity</a:t>
+            </a:r>
+            <a:r>
+              <a:rPr lang="pt-BR" dirty="0"/>
+              <a:t>/UI sem </a:t>
+            </a:r>
+            <a:r>
+              <a:rPr lang="pt-BR" dirty="0" smtClean="0"/>
+              <a:t>ter que </a:t>
+            </a:r>
+            <a:r>
+              <a:rPr lang="pt-BR" dirty="0"/>
+              <a:t>manipular threads </a:t>
+            </a:r>
+            <a:r>
+              <a:rPr lang="pt-BR" dirty="0" smtClean="0"/>
+              <a:t>diretamente;</a:t>
+            </a:r>
+          </a:p>
+          <a:p>
+            <a:r>
+              <a:rPr lang="pt-BR" dirty="0" smtClean="0"/>
+              <a:t>Divisão um processo em várias tarefas;</a:t>
+            </a:r>
+            <a:endParaRPr lang="pt-BR" dirty="0"/>
+          </a:p>
+        </p:txBody>
+      </p:sp>
+      <p:sp>
+        <p:nvSpPr>
+          <p:cNvPr id="4" name="Espaço Reservado para Número de Slide 3"/>
+          <p:cNvSpPr>
+            <a:spLocks noGrp="1"/>
+          </p:cNvSpPr>
+          <p:nvPr>
+            <p:ph type="sldNum" sz="quarter" idx="12"/>
+          </p:nvPr>
+        </p:nvSpPr>
+        <p:spPr/>
+        <p:txBody>
+          <a:bodyPr/>
+          <a:lstStyle/>
+          <a:p>
+            <a:fld id="{2119D8CF-8DEC-4D9F-84EE-ADF04DFF3391}" type="slidenum">
+              <a:rPr lang="pt-BR" smtClean="0"/>
+              <a:pPr/>
+              <a:t>31</a:t>
             </a:fld>
             <a:endParaRPr lang="pt-BR"/>
           </a:p>
@@ -8738,242 +8920,6 @@
 </p:sld>
 </file>
 
-<file path=ppt/slides/slide31.xml><?xml version="1.0" encoding="utf-8"?>
-<p:sld xmlns:a="http://schemas.openxmlformats.org/drawingml/2006/main" xmlns:r="http://schemas.openxmlformats.org/officeDocument/2006/relationships" xmlns:p="http://schemas.openxmlformats.org/presentationml/2006/main">
-  <p:cSld>
-    <p:spTree>
-      <p:nvGrpSpPr>
-        <p:cNvPr id="1" name=""/>
-        <p:cNvGrpSpPr/>
-        <p:nvPr/>
-      </p:nvGrpSpPr>
-      <p:grpSpPr>
-        <a:xfrm>
-          <a:off x="0" y="0"/>
-          <a:ext cx="0" cy="0"/>
-          <a:chOff x="0" y="0"/>
-          <a:chExt cx="0" cy="0"/>
-        </a:xfrm>
-      </p:grpSpPr>
-      <p:sp>
-        <p:nvSpPr>
-          <p:cNvPr id="2" name="Título 1"/>
-          <p:cNvSpPr>
-            <a:spLocks noGrp="1"/>
-          </p:cNvSpPr>
-          <p:nvPr>
-            <p:ph type="title"/>
-          </p:nvPr>
-        </p:nvSpPr>
-        <p:spPr/>
-        <p:txBody>
-          <a:bodyPr/>
-          <a:lstStyle/>
-          <a:p>
-            <a:r>
-              <a:rPr lang="pt-BR" dirty="0" err="1" smtClean="0"/>
-              <a:t>ReciclerView</a:t>
-            </a:r>
-            <a:endParaRPr lang="pt-BR" dirty="0"/>
-          </a:p>
-        </p:txBody>
-      </p:sp>
-      <p:sp>
-        <p:nvSpPr>
-          <p:cNvPr id="3" name="Espaço Reservado para Conteúdo 2"/>
-          <p:cNvSpPr>
-            <a:spLocks noGrp="1"/>
-          </p:cNvSpPr>
-          <p:nvPr>
-            <p:ph idx="1"/>
-          </p:nvPr>
-        </p:nvSpPr>
-        <p:spPr/>
-        <p:txBody>
-          <a:bodyPr>
-            <a:normAutofit fontScale="92500" lnSpcReduction="10000"/>
-          </a:bodyPr>
-          <a:lstStyle/>
-          <a:p>
-            <a:r>
-              <a:rPr lang="pt-BR" dirty="0" smtClean="0"/>
-              <a:t>É </a:t>
-            </a:r>
-            <a:r>
-              <a:rPr lang="pt-BR" dirty="0"/>
-              <a:t>uma versão mais avançada e flexível do </a:t>
-            </a:r>
-            <a:r>
-              <a:rPr lang="pt-BR" dirty="0" err="1" smtClean="0"/>
-              <a:t>ListView</a:t>
-            </a:r>
-            <a:r>
-              <a:rPr lang="pt-BR" dirty="0" smtClean="0"/>
-              <a:t>;</a:t>
-            </a:r>
-          </a:p>
-          <a:p>
-            <a:endParaRPr lang="pt-BR" dirty="0"/>
-          </a:p>
-          <a:p>
-            <a:r>
-              <a:rPr lang="pt-BR" dirty="0" smtClean="0"/>
-              <a:t>Mantém </a:t>
-            </a:r>
-            <a:r>
-              <a:rPr lang="pt-BR" dirty="0"/>
-              <a:t>uma quantidade de </a:t>
-            </a:r>
-            <a:r>
-              <a:rPr lang="pt-BR" dirty="0" err="1"/>
-              <a:t>Views</a:t>
-            </a:r>
-            <a:r>
-              <a:rPr lang="pt-BR" dirty="0"/>
-              <a:t> fixas que são reutilizadas ao usar o scroll </a:t>
-            </a:r>
-            <a:r>
-              <a:rPr lang="pt-BR" dirty="0" err="1" smtClean="0"/>
-              <a:t>up</a:t>
-            </a:r>
-            <a:r>
-              <a:rPr lang="pt-BR" dirty="0" smtClean="0"/>
-              <a:t>/</a:t>
-            </a:r>
-            <a:r>
-              <a:rPr lang="pt-BR" dirty="0" err="1" smtClean="0"/>
-              <a:t>down</a:t>
-            </a:r>
-            <a:r>
-              <a:rPr lang="pt-BR" dirty="0"/>
-              <a:t>;</a:t>
-            </a:r>
-            <a:endParaRPr lang="pt-BR" dirty="0" smtClean="0"/>
-          </a:p>
-          <a:p>
-            <a:pPr lvl="1"/>
-            <a:r>
-              <a:rPr lang="pt-BR" dirty="0" err="1" smtClean="0"/>
-              <a:t>ViewHolder</a:t>
-            </a:r>
-            <a:r>
-              <a:rPr lang="pt-BR" dirty="0" smtClean="0"/>
-              <a:t>;</a:t>
-            </a:r>
-            <a:endParaRPr lang="pt-BR" dirty="0"/>
-          </a:p>
-          <a:p>
-            <a:endParaRPr lang="pt-BR" dirty="0" smtClean="0"/>
-          </a:p>
-          <a:p>
-            <a:r>
-              <a:rPr lang="pt-BR" dirty="0" smtClean="0"/>
-              <a:t>Vantagens:</a:t>
-            </a:r>
-          </a:p>
-          <a:p>
-            <a:pPr lvl="1"/>
-            <a:r>
-              <a:rPr lang="pt-BR" dirty="0" smtClean="0"/>
-              <a:t>Atualizações (É uma biblioteca)</a:t>
-            </a:r>
-          </a:p>
-          <a:p>
-            <a:pPr lvl="1"/>
-            <a:r>
-              <a:rPr lang="pt-BR" dirty="0" smtClean="0"/>
-              <a:t>Performance</a:t>
-            </a:r>
-            <a:r>
-              <a:rPr lang="pt-BR" dirty="0"/>
-              <a:t>! Reuso da </a:t>
-            </a:r>
-            <a:r>
-              <a:rPr lang="pt-BR" dirty="0" err="1" smtClean="0"/>
-              <a:t>view</a:t>
-            </a:r>
-            <a:r>
-              <a:rPr lang="pt-BR" dirty="0" smtClean="0"/>
-              <a:t>!</a:t>
-            </a:r>
-          </a:p>
-          <a:p>
-            <a:pPr lvl="2"/>
-            <a:r>
-              <a:rPr lang="pt-BR" dirty="0" smtClean="0"/>
-              <a:t>Atualização </a:t>
-            </a:r>
-            <a:r>
-              <a:rPr lang="pt-BR" dirty="0"/>
-              <a:t>apenas de itens alterados ao invés da </a:t>
-            </a:r>
-            <a:r>
-              <a:rPr lang="pt-BR" dirty="0" err="1"/>
-              <a:t>ListView</a:t>
-            </a:r>
-            <a:r>
-              <a:rPr lang="pt-BR" dirty="0"/>
-              <a:t> inteira</a:t>
-            </a:r>
-            <a:r>
-              <a:rPr lang="pt-BR" dirty="0" smtClean="0"/>
-              <a:t>.</a:t>
-            </a:r>
-          </a:p>
-          <a:p>
-            <a:pPr lvl="1"/>
-            <a:r>
-              <a:rPr lang="pt-BR" dirty="0"/>
-              <a:t>Uso de  animações</a:t>
-            </a:r>
-            <a:endParaRPr lang="pt-BR" dirty="0" smtClean="0"/>
-          </a:p>
-        </p:txBody>
-      </p:sp>
-      <p:sp>
-        <p:nvSpPr>
-          <p:cNvPr id="4" name="Espaço Reservado para Número de Slide 3"/>
-          <p:cNvSpPr>
-            <a:spLocks noGrp="1"/>
-          </p:cNvSpPr>
-          <p:nvPr>
-            <p:ph type="sldNum" sz="quarter" idx="12"/>
-          </p:nvPr>
-        </p:nvSpPr>
-        <p:spPr/>
-        <p:txBody>
-          <a:bodyPr/>
-          <a:lstStyle/>
-          <a:p>
-            <a:fld id="{2119D8CF-8DEC-4D9F-84EE-ADF04DFF3391}" type="slidenum">
-              <a:rPr lang="pt-BR" smtClean="0"/>
-              <a:pPr/>
-              <a:t>31</a:t>
-            </a:fld>
-            <a:endParaRPr lang="pt-BR"/>
-          </a:p>
-        </p:txBody>
-      </p:sp>
-    </p:spTree>
-    <p:extLst>
-      <p:ext uri="{BB962C8B-B14F-4D97-AF65-F5344CB8AC3E}">
-        <p14:creationId xmlns:p14="http://schemas.microsoft.com/office/powerpoint/2010/main" val="1863667714"/>
-      </p:ext>
-    </p:extLst>
-  </p:cSld>
-  <p:clrMapOvr>
-    <a:masterClrMapping/>
-  </p:clrMapOvr>
-  <p:timing>
-    <p:tnLst>
-      <p:par>
-        <p:cTn id="1" dur="indefinite" restart="never" nodeType="tmRoot"/>
-      </p:par>
-    </p:tnLst>
-  </p:timing>
-</p:sld>
-</file>
-
 <file path=ppt/slides/slide32.xml><?xml version="1.0" encoding="utf-8"?>
 <p:sld xmlns:a="http://schemas.openxmlformats.org/drawingml/2006/main" xmlns:r="http://schemas.openxmlformats.org/officeDocument/2006/relationships" xmlns:p="http://schemas.openxmlformats.org/presentationml/2006/main">
   <p:cSld>
@@ -9008,7 +8954,7 @@
           <a:p>
             <a:r>
               <a:rPr lang="pt-BR" dirty="0" err="1" smtClean="0"/>
-              <a:t>Adapter</a:t>
+              <a:t>ReciclerView</a:t>
             </a:r>
             <a:endParaRPr lang="pt-BR" dirty="0"/>
           </a:p>
@@ -9032,77 +8978,137 @@
           <a:lstStyle/>
           <a:p>
             <a:r>
+              <a:rPr lang="pt-BR" dirty="0" smtClean="0"/>
+              <a:t>É </a:t>
+            </a:r>
+            <a:r>
               <a:rPr lang="pt-BR" dirty="0"/>
-              <a:t>Criar um objeto </a:t>
+              <a:t>uma versão mais avançada e flexível do </a:t>
+            </a:r>
+            <a:r>
+              <a:rPr lang="pt-BR" dirty="0" err="1" smtClean="0"/>
+              <a:t>ListView</a:t>
+            </a:r>
+            <a:r>
+              <a:rPr lang="pt-BR" dirty="0" smtClean="0"/>
+              <a:t>;</a:t>
+            </a:r>
+          </a:p>
+          <a:p>
+            <a:endParaRPr lang="pt-BR" dirty="0"/>
+          </a:p>
+          <a:p>
+            <a:r>
+              <a:rPr lang="pt-BR" dirty="0" smtClean="0"/>
+              <a:t>Mantém </a:t>
+            </a:r>
+            <a:r>
+              <a:rPr lang="pt-BR" dirty="0"/>
+              <a:t>uma quantidade de </a:t>
             </a:r>
             <a:r>
               <a:rPr lang="pt-BR" dirty="0" err="1"/>
+              <a:t>Views</a:t>
+            </a:r>
+            <a:r>
+              <a:rPr lang="pt-BR" dirty="0"/>
+              <a:t> fixas que são reutilizadas ao usar o scroll </a:t>
+            </a:r>
+            <a:r>
+              <a:rPr lang="pt-BR" dirty="0" err="1" smtClean="0"/>
+              <a:t>up</a:t>
+            </a:r>
+            <a:r>
+              <a:rPr lang="pt-BR" dirty="0" smtClean="0"/>
+              <a:t>/</a:t>
+            </a:r>
+            <a:r>
+              <a:rPr lang="pt-BR" dirty="0" err="1" smtClean="0"/>
+              <a:t>down</a:t>
+            </a:r>
+            <a:r>
+              <a:rPr lang="pt-BR" dirty="0"/>
+              <a:t>;</a:t>
+            </a:r>
+            <a:endParaRPr lang="pt-BR" dirty="0" smtClean="0"/>
+          </a:p>
+          <a:p>
+            <a:pPr lvl="1"/>
+            <a:r>
+              <a:rPr lang="pt-BR" dirty="0" err="1" smtClean="0"/>
               <a:t>ViewHolder</a:t>
             </a:r>
             <a:r>
+              <a:rPr lang="pt-BR" dirty="0" smtClean="0"/>
+              <a:t>;</a:t>
+            </a:r>
+            <a:endParaRPr lang="pt-BR" dirty="0"/>
+          </a:p>
+          <a:p>
+            <a:endParaRPr lang="pt-BR" dirty="0" smtClean="0"/>
+          </a:p>
+          <a:p>
+            <a:r>
+              <a:rPr lang="pt-BR" dirty="0" smtClean="0"/>
+              <a:t>Vantagens:</a:t>
+            </a:r>
+          </a:p>
+          <a:p>
+            <a:pPr lvl="1"/>
+            <a:r>
+              <a:rPr lang="pt-BR" dirty="0" smtClean="0"/>
+              <a:t>Atualizações (É uma biblioteca)</a:t>
+            </a:r>
+          </a:p>
+          <a:p>
+            <a:pPr lvl="1"/>
+            <a:r>
+              <a:rPr lang="pt-BR" dirty="0" smtClean="0"/>
+              <a:t>Performance</a:t>
+            </a:r>
+            <a:r>
               <a:rPr lang="pt-BR" dirty="0"/>
-              <a:t> para cada item </a:t>
+              <a:t>! Reuso da </a:t>
             </a:r>
             <a:r>
               <a:rPr lang="pt-BR" dirty="0" err="1" smtClean="0"/>
-              <a:t>RecyclerView</a:t>
-            </a:r>
-            <a:r>
-              <a:rPr lang="pt-BR" dirty="0" smtClean="0"/>
-              <a:t>;</a:t>
-            </a:r>
-          </a:p>
-          <a:p>
-            <a:endParaRPr lang="pt-BR" dirty="0"/>
-          </a:p>
-          <a:p>
-            <a:r>
-              <a:rPr lang="pt-BR" dirty="0" smtClean="0"/>
-              <a:t>Retornar o número de itens no </a:t>
-            </a:r>
-            <a:r>
-              <a:rPr lang="pt-BR" dirty="0" err="1" smtClean="0"/>
-              <a:t>datasource</a:t>
-            </a:r>
-            <a:r>
-              <a:rPr lang="pt-BR" dirty="0" smtClean="0"/>
-              <a:t>;</a:t>
-            </a:r>
-          </a:p>
-          <a:p>
-            <a:endParaRPr lang="pt-BR" dirty="0"/>
-          </a:p>
-          <a:p>
-            <a:r>
-              <a:rPr lang="pt-BR" dirty="0" smtClean="0"/>
-              <a:t>Ligar os dados do data-</a:t>
-            </a:r>
-            <a:r>
-              <a:rPr lang="pt-BR" dirty="0" err="1" smtClean="0"/>
-              <a:t>source</a:t>
-            </a:r>
-            <a:r>
-              <a:rPr lang="pt-BR" dirty="0" smtClean="0"/>
-              <a:t> para cada item;</a:t>
-            </a:r>
-          </a:p>
-          <a:p>
-            <a:endParaRPr lang="pt-BR" dirty="0"/>
-          </a:p>
-          <a:p>
-            <a:r>
-              <a:rPr lang="pt-BR" dirty="0" smtClean="0"/>
-              <a:t>Inflar cada item que será exibido;</a:t>
-            </a:r>
-          </a:p>
-          <a:p>
-            <a:endParaRPr lang="pt-BR" dirty="0"/>
-          </a:p>
-          <a:p>
+              <a:t>view</a:t>
+            </a:r>
+            <a:r>
+              <a:rPr lang="pt-BR" dirty="0" smtClean="0"/>
+              <a:t>!</a:t>
+            </a:r>
+          </a:p>
+          <a:p>
+            <a:pPr lvl="2"/>
+            <a:r>
+              <a:rPr lang="pt-BR" dirty="0" smtClean="0"/>
+              <a:t>Atualização </a:t>
+            </a:r>
             <a:r>
               <a:rPr lang="pt-BR" dirty="0"/>
-              <a:t>Referência: https://developer.android.com/guide/topics/ui/layout/recyclerview.html</a:t>
-            </a:r>
+              <a:t>apenas de itens alterados ao invés da </a:t>
+            </a:r>
+            <a:r>
+              <a:rPr lang="pt-BR" dirty="0" err="1"/>
+              <a:t>ListView</a:t>
+            </a:r>
+            <a:r>
+              <a:rPr lang="pt-BR" dirty="0"/>
+              <a:t> inteira</a:t>
+            </a:r>
+            <a:r>
+              <a:rPr lang="pt-BR" dirty="0" smtClean="0"/>
+              <a:t>.</a:t>
+            </a:r>
+          </a:p>
+          <a:p>
+            <a:pPr lvl="1"/>
+            <a:r>
+              <a:rPr lang="pt-BR" dirty="0"/>
+              <a:t>Uso de  animações</a:t>
+            </a:r>
+            <a:endParaRPr lang="pt-BR" dirty="0" smtClean="0"/>
           </a:p>
         </p:txBody>
       </p:sp>
@@ -9133,7 +9139,7 @@
     </p:spTree>
     <p:extLst>
       <p:ext uri="{BB962C8B-B14F-4D97-AF65-F5344CB8AC3E}">
-        <p14:creationId xmlns:p14="http://schemas.microsoft.com/office/powerpoint/2010/main" val="3580188976"/>
+        <p14:creationId xmlns:p14="http://schemas.microsoft.com/office/powerpoint/2010/main" val="1863667714"/>
       </p:ext>
     </p:extLst>
   </p:cSld>
@@ -9184,7 +9190,7 @@
           <a:p>
             <a:r>
               <a:rPr lang="pt-BR" dirty="0" err="1" smtClean="0"/>
-              <a:t>Intent</a:t>
+              <a:t>Adapter</a:t>
             </a:r>
             <a:endParaRPr lang="pt-BR" dirty="0"/>
           </a:p>
@@ -9203,85 +9209,81 @@
         <p:spPr/>
         <p:txBody>
           <a:bodyPr>
-            <a:normAutofit fontScale="92500" lnSpcReduction="20000"/>
+            <a:normAutofit fontScale="92500" lnSpcReduction="10000"/>
           </a:bodyPr>
           <a:lstStyle/>
           <a:p>
             <a:r>
-              <a:rPr lang="pt-BR" dirty="0" smtClean="0"/>
-              <a:t>É </a:t>
-            </a:r>
-            <a:r>
               <a:rPr lang="pt-BR" dirty="0"/>
-              <a:t>um </a:t>
-            </a:r>
-            <a:r>
-              <a:rPr lang="pt-BR" dirty="0" smtClean="0"/>
-              <a:t>objeto </a:t>
+              <a:t>Criar um objeto </a:t>
+            </a:r>
+            <a:r>
+              <a:rPr lang="pt-BR" dirty="0" err="1"/>
+              <a:t>ViewHolder</a:t>
             </a:r>
             <a:r>
               <a:rPr lang="pt-BR" dirty="0"/>
-              <a:t>de mensagem </a:t>
-            </a:r>
-            <a:r>
-              <a:rPr lang="pt-BR" dirty="0" smtClean="0"/>
-              <a:t>utilizado </a:t>
-            </a:r>
+              <a:t> para cada item </a:t>
+            </a:r>
+            <a:r>
+              <a:rPr lang="pt-BR" dirty="0" err="1" smtClean="0"/>
+              <a:t>RecyclerView</a:t>
+            </a:r>
+            <a:r>
+              <a:rPr lang="pt-BR" dirty="0" smtClean="0"/>
+              <a:t>;</a:t>
+            </a:r>
+          </a:p>
+          <a:p>
+            <a:endParaRPr lang="pt-BR" dirty="0"/>
+          </a:p>
+          <a:p>
+            <a:r>
+              <a:rPr lang="pt-BR" dirty="0" smtClean="0"/>
+              <a:t>Retornar o número de itens no </a:t>
+            </a:r>
+            <a:r>
+              <a:rPr lang="pt-BR" dirty="0" err="1" smtClean="0"/>
+              <a:t>datasource</a:t>
+            </a:r>
+            <a:r>
+              <a:rPr lang="pt-BR" dirty="0" smtClean="0"/>
+              <a:t>;</a:t>
+            </a:r>
+          </a:p>
+          <a:p>
+            <a:endParaRPr lang="pt-BR" dirty="0"/>
+          </a:p>
+          <a:p>
+            <a:r>
+              <a:rPr lang="pt-BR" dirty="0" smtClean="0"/>
+              <a:t>Ligar os dados do data-</a:t>
+            </a:r>
+            <a:r>
+              <a:rPr lang="pt-BR" dirty="0" err="1" smtClean="0"/>
+              <a:t>source</a:t>
+            </a:r>
+            <a:r>
+              <a:rPr lang="pt-BR" dirty="0" smtClean="0"/>
+              <a:t> para cada item;</a:t>
+            </a:r>
+          </a:p>
+          <a:p>
+            <a:endParaRPr lang="pt-BR" dirty="0"/>
+          </a:p>
+          <a:p>
+            <a:r>
+              <a:rPr lang="pt-BR" dirty="0" smtClean="0"/>
+              <a:t>Inflar cada item que será exibido;</a:t>
+            </a:r>
+          </a:p>
+          <a:p>
+            <a:endParaRPr lang="pt-BR" dirty="0"/>
+          </a:p>
+          <a:p>
             <a:r>
               <a:rPr lang="pt-BR" dirty="0"/>
-              <a:t>para solicitar uma ação de outro componente de </a:t>
-            </a:r>
-            <a:r>
-              <a:rPr lang="pt-BR" dirty="0" smtClean="0"/>
-              <a:t>aplicativo.</a:t>
-            </a:r>
-          </a:p>
-          <a:p>
-            <a:endParaRPr lang="pt-BR" dirty="0" smtClean="0"/>
-          </a:p>
-          <a:p>
-            <a:pPr lvl="1"/>
-            <a:r>
-              <a:rPr lang="pt-BR" dirty="0" smtClean="0"/>
-              <a:t>Iniciar </a:t>
-            </a:r>
-            <a:r>
-              <a:rPr lang="pt-BR" dirty="0"/>
-              <a:t>uma </a:t>
-            </a:r>
-            <a:r>
-              <a:rPr lang="pt-BR" dirty="0" smtClean="0"/>
-              <a:t>atividade;</a:t>
-            </a:r>
-          </a:p>
-          <a:p>
-            <a:endParaRPr lang="pt-BR" dirty="0" smtClean="0"/>
-          </a:p>
-          <a:p>
-            <a:pPr lvl="1"/>
-            <a:r>
-              <a:rPr lang="pt-BR" dirty="0" smtClean="0"/>
-              <a:t>Iniciar um serviço;</a:t>
-            </a:r>
-          </a:p>
-          <a:p>
-            <a:endParaRPr lang="pt-BR" dirty="0" smtClean="0"/>
-          </a:p>
-          <a:p>
-            <a:pPr lvl="1"/>
-            <a:r>
-              <a:rPr lang="pt-BR" dirty="0" smtClean="0"/>
-              <a:t>Transmissão de mensagens entre aplicações;</a:t>
-            </a:r>
-          </a:p>
-          <a:p>
-            <a:pPr lvl="1"/>
-            <a:endParaRPr lang="pt-BR" dirty="0"/>
-          </a:p>
-          <a:p>
-            <a:r>
-              <a:rPr lang="pt-BR" dirty="0"/>
-              <a:t>Referência: https://developer.android.com/guide/components/intents-filters.html?hl=pt-br</a:t>
+              <a:t>Referência: https://developer.android.com/guide/topics/ui/layout/recyclerview.html</a:t>
             </a:r>
           </a:p>
         </p:txBody>
@@ -9313,7 +9315,7 @@
     </p:spTree>
     <p:extLst>
       <p:ext uri="{BB962C8B-B14F-4D97-AF65-F5344CB8AC3E}">
-        <p14:creationId xmlns:p14="http://schemas.microsoft.com/office/powerpoint/2010/main" val="624201517"/>
+        <p14:creationId xmlns:p14="http://schemas.microsoft.com/office/powerpoint/2010/main" val="3580188976"/>
       </p:ext>
     </p:extLst>
   </p:cSld>
@@ -9364,7 +9366,7 @@
           <a:p>
             <a:r>
               <a:rPr lang="pt-BR" dirty="0" err="1" smtClean="0"/>
-              <a:t>Fragments</a:t>
+              <a:t>Intent</a:t>
             </a:r>
             <a:endParaRPr lang="pt-BR" dirty="0"/>
           </a:p>
@@ -9383,87 +9385,86 @@
         <p:spPr/>
         <p:txBody>
           <a:bodyPr>
-            <a:normAutofit fontScale="92500" lnSpcReduction="10000"/>
+            <a:normAutofit fontScale="92500" lnSpcReduction="20000"/>
           </a:bodyPr>
           <a:lstStyle/>
           <a:p>
             <a:r>
               <a:rPr lang="pt-BR" dirty="0" smtClean="0"/>
-              <a:t>Representa </a:t>
+              <a:t>É </a:t>
             </a:r>
             <a:r>
               <a:rPr lang="pt-BR" dirty="0"/>
-              <a:t>o comportamento ou uma parte da interface do usuário em </a:t>
-            </a:r>
-            <a:r>
-              <a:rPr lang="pt-BR" dirty="0" smtClean="0"/>
+              <a:t>um </a:t>
+            </a:r>
+            <a:r>
+              <a:rPr lang="pt-BR" dirty="0" smtClean="0"/>
+              <a:t>objeto </a:t>
+            </a:r>
+            <a:r>
+              <a:rPr lang="pt-BR" dirty="0"/>
+              <a:t>de mensagem </a:t>
+            </a:r>
+            <a:r>
+              <a:rPr lang="pt-BR" dirty="0" smtClean="0"/>
+              <a:t>utilizado </a:t>
+            </a:r>
+            <a:r>
+              <a:rPr lang="pt-BR" dirty="0"/>
+              <a:t>para solicitar uma ação de outro componente de </a:t>
+            </a:r>
+            <a:r>
+              <a:rPr lang="pt-BR" dirty="0" smtClean="0"/>
+              <a:t>aplicativo.</a:t>
+            </a:r>
+          </a:p>
+          <a:p>
+            <a:endParaRPr lang="pt-BR" dirty="0" smtClean="0"/>
+          </a:p>
+          <a:p>
+            <a:pPr lvl="1"/>
+            <a:r>
+              <a:rPr lang="pt-BR" dirty="0" smtClean="0"/>
+              <a:t>Iniciar </a:t>
+            </a:r>
+            <a:r>
+              <a:rPr lang="pt-BR" dirty="0"/>
               <a:t>uma </a:t>
             </a:r>
             <a:r>
-              <a:rPr lang="pt-BR" dirty="0" err="1" smtClean="0"/>
-              <a:t>Activity</a:t>
-            </a:r>
-            <a:r>
-              <a:rPr lang="pt-BR" dirty="0" smtClean="0"/>
-              <a:t>;</a:t>
-            </a:r>
-          </a:p>
-          <a:p>
+              <a:rPr lang="pt-BR" dirty="0" smtClean="0"/>
+              <a:t>atividade;</a:t>
+            </a:r>
+          </a:p>
+          <a:p>
+            <a:endParaRPr lang="pt-BR" dirty="0" smtClean="0"/>
+          </a:p>
+          <a:p>
+            <a:pPr lvl="1"/>
+            <a:r>
+              <a:rPr lang="pt-BR" dirty="0" smtClean="0"/>
+              <a:t>Iniciar um serviço;</a:t>
+            </a:r>
+          </a:p>
+          <a:p>
+            <a:endParaRPr lang="pt-BR" dirty="0" smtClean="0"/>
+          </a:p>
+          <a:p>
+            <a:pPr lvl="1"/>
+            <a:r>
+              <a:rPr lang="pt-BR" dirty="0" smtClean="0"/>
+              <a:t>Transmissão de mensagens entre aplicações;</a:t>
+            </a:r>
+          </a:p>
+          <a:p>
+            <a:pPr lvl="1"/>
             <a:endParaRPr lang="pt-BR" dirty="0"/>
           </a:p>
           <a:p>
             <a:r>
               <a:rPr lang="pt-BR" dirty="0"/>
-              <a:t>É possível combinar vários fragmentos em uma única </a:t>
-            </a:r>
-            <a:r>
-              <a:rPr lang="pt-BR" dirty="0" smtClean="0"/>
-              <a:t>atividade;</a:t>
-            </a:r>
-          </a:p>
-          <a:p>
-            <a:endParaRPr lang="pt-BR" dirty="0"/>
-          </a:p>
-          <a:p>
-            <a:r>
-              <a:rPr lang="pt-BR" dirty="0" smtClean="0"/>
-              <a:t>Reutilização de </a:t>
-            </a:r>
-            <a:r>
-              <a:rPr lang="pt-BR" dirty="0" err="1" smtClean="0"/>
-              <a:t>fragments</a:t>
-            </a:r>
-            <a:r>
-              <a:rPr lang="pt-BR" dirty="0" smtClean="0"/>
-              <a:t> em diferentes </a:t>
-            </a:r>
-            <a:r>
-              <a:rPr lang="pt-BR" dirty="0" err="1" smtClean="0"/>
-              <a:t>Activities</a:t>
-            </a:r>
-            <a:r>
-              <a:rPr lang="pt-BR" dirty="0" smtClean="0"/>
-              <a:t>;</a:t>
-            </a:r>
-          </a:p>
-          <a:p>
-            <a:endParaRPr lang="pt-BR" dirty="0"/>
-          </a:p>
-          <a:p>
-            <a:r>
-              <a:rPr lang="pt-BR" dirty="0" smtClean="0"/>
-              <a:t>Pode ser adicionado e removido em tempo de execução;</a:t>
-            </a:r>
-          </a:p>
-          <a:p>
-            <a:endParaRPr lang="pt-BR" dirty="0"/>
-          </a:p>
-          <a:p>
-            <a:r>
-              <a:rPr lang="pt-BR" dirty="0" smtClean="0"/>
-              <a:t>Ciclo de vida próprio</a:t>
-            </a:r>
-            <a:endParaRPr lang="pt-BR" dirty="0"/>
+              <a:t>Referência: https://developer.android.com/guide/components/intents-filters.html?hl=pt-br</a:t>
+            </a:r>
           </a:p>
         </p:txBody>
       </p:sp>
@@ -9494,7 +9495,7 @@
     </p:spTree>
     <p:extLst>
       <p:ext uri="{BB962C8B-B14F-4D97-AF65-F5344CB8AC3E}">
-        <p14:creationId xmlns:p14="http://schemas.microsoft.com/office/powerpoint/2010/main" val="3573116669"/>
+        <p14:creationId xmlns:p14="http://schemas.microsoft.com/office/powerpoint/2010/main" val="624201517"/>
       </p:ext>
     </p:extLst>
   </p:cSld>
@@ -9544,7 +9545,7 @@
           <a:lstStyle/>
           <a:p>
             <a:r>
-              <a:rPr lang="pt-BR" dirty="0" err="1"/>
+              <a:rPr lang="pt-BR" dirty="0" err="1" smtClean="0"/>
               <a:t>Fragments</a:t>
             </a:r>
             <a:endParaRPr lang="pt-BR" dirty="0"/>
@@ -9564,38 +9565,87 @@
         <p:spPr/>
         <p:txBody>
           <a:bodyPr>
-            <a:normAutofit lnSpcReduction="10000"/>
+            <a:normAutofit fontScale="92500" lnSpcReduction="10000"/>
           </a:bodyPr>
           <a:lstStyle/>
           <a:p>
             <a:r>
               <a:rPr lang="pt-BR" dirty="0" smtClean="0"/>
-              <a:t>Maior flexibilidade no layout;</a:t>
+              <a:t>Representa </a:t>
+            </a:r>
+            <a:r>
+              <a:rPr lang="pt-BR" dirty="0"/>
+              <a:t>o comportamento ou uma parte da interface do usuário em </a:t>
+            </a:r>
+            <a:r>
+              <a:rPr lang="pt-BR" dirty="0" smtClean="0"/>
+              <a:t>uma </a:t>
+            </a:r>
+            <a:r>
+              <a:rPr lang="pt-BR" dirty="0" err="1" smtClean="0"/>
+              <a:t>Activity</a:t>
+            </a:r>
+            <a:r>
+              <a:rPr lang="pt-BR" dirty="0" smtClean="0"/>
+              <a:t>;</a:t>
             </a:r>
           </a:p>
           <a:p>
             <a:endParaRPr lang="pt-BR" dirty="0"/>
           </a:p>
           <a:p>
-            <a:endParaRPr lang="pt-BR" dirty="0" smtClean="0"/>
+            <a:r>
+              <a:rPr lang="pt-BR" dirty="0"/>
+              <a:t>É possível combinar vários fragmentos em uma única </a:t>
+            </a:r>
+            <a:r>
+              <a:rPr lang="pt-BR" dirty="0" smtClean="0"/>
+              <a:t>atividade;</a:t>
+            </a:r>
           </a:p>
           <a:p>
             <a:endParaRPr lang="pt-BR" dirty="0"/>
           </a:p>
           <a:p>
-            <a:endParaRPr lang="pt-BR" dirty="0" smtClean="0"/>
+            <a:r>
+              <a:rPr lang="pt-BR" dirty="0" smtClean="0"/>
+              <a:t>Reutilização de </a:t>
+            </a:r>
+            <a:r>
+              <a:rPr lang="pt-BR" dirty="0" err="1" smtClean="0"/>
+              <a:t>fragments</a:t>
+            </a:r>
+            <a:r>
+              <a:rPr lang="pt-BR" dirty="0" smtClean="0"/>
+              <a:t> em diferentes </a:t>
+            </a:r>
+            <a:r>
+              <a:rPr lang="pt-BR" dirty="0" err="1" smtClean="0"/>
+              <a:t>Activities</a:t>
+            </a:r>
+            <a:r>
+              <a:rPr lang="pt-BR" dirty="0" smtClean="0"/>
+              <a:t>;</a:t>
+            </a:r>
           </a:p>
           <a:p>
             <a:endParaRPr lang="pt-BR" dirty="0"/>
           </a:p>
           <a:p>
-            <a:endParaRPr lang="pt-BR" dirty="0" smtClean="0"/>
-          </a:p>
-          <a:p>
-            <a:r>
-              <a:rPr lang="pt-BR" dirty="0"/>
-              <a:t>Referência: https://developer.android.com/guide/components/fragments.html?hl=pt-br</a:t>
-            </a:r>
+            <a:r>
+              <a:rPr lang="pt-BR" dirty="0" smtClean="0"/>
+              <a:t>Pode ser adicionado e removido em tempo de execução;</a:t>
+            </a:r>
+          </a:p>
+          <a:p>
+            <a:endParaRPr lang="pt-BR" dirty="0"/>
+          </a:p>
+          <a:p>
+            <a:r>
+              <a:rPr lang="pt-BR" dirty="0" smtClean="0"/>
+              <a:t>Ciclo de vida próprio</a:t>
+            </a:r>
+            <a:endParaRPr lang="pt-BR" dirty="0"/>
           </a:p>
         </p:txBody>
       </p:sp>
@@ -9618,6 +9668,138 @@
               <a:rPr lang="pt-BR" smtClean="0"/>
               <a:pPr/>
               <a:t>35</a:t>
+            </a:fld>
+            <a:endParaRPr lang="pt-BR"/>
+          </a:p>
+        </p:txBody>
+      </p:sp>
+    </p:spTree>
+    <p:extLst>
+      <p:ext uri="{BB962C8B-B14F-4D97-AF65-F5344CB8AC3E}">
+        <p14:creationId xmlns:p14="http://schemas.microsoft.com/office/powerpoint/2010/main" val="3573116669"/>
+      </p:ext>
+    </p:extLst>
+  </p:cSld>
+  <p:clrMapOvr>
+    <a:masterClrMapping/>
+  </p:clrMapOvr>
+  <p:timing>
+    <p:tnLst>
+      <p:par>
+        <p:cTn id="1" dur="indefinite" restart="never" nodeType="tmRoot"/>
+      </p:par>
+    </p:tnLst>
+  </p:timing>
+</p:sld>
+</file>
+
+<file path=ppt/slides/slide36.xml><?xml version="1.0" encoding="utf-8"?>
+<p:sld xmlns:a="http://schemas.openxmlformats.org/drawingml/2006/main" xmlns:r="http://schemas.openxmlformats.org/officeDocument/2006/relationships" xmlns:p="http://schemas.openxmlformats.org/presentationml/2006/main">
+  <p:cSld>
+    <p:spTree>
+      <p:nvGrpSpPr>
+        <p:cNvPr id="1" name=""/>
+        <p:cNvGrpSpPr/>
+        <p:nvPr/>
+      </p:nvGrpSpPr>
+      <p:grpSpPr>
+        <a:xfrm>
+          <a:off x="0" y="0"/>
+          <a:ext cx="0" cy="0"/>
+          <a:chOff x="0" y="0"/>
+          <a:chExt cx="0" cy="0"/>
+        </a:xfrm>
+      </p:grpSpPr>
+      <p:sp>
+        <p:nvSpPr>
+          <p:cNvPr id="2" name="Título 1"/>
+          <p:cNvSpPr>
+            <a:spLocks noGrp="1"/>
+          </p:cNvSpPr>
+          <p:nvPr>
+            <p:ph type="title"/>
+          </p:nvPr>
+        </p:nvSpPr>
+        <p:spPr/>
+        <p:txBody>
+          <a:bodyPr/>
+          <a:lstStyle/>
+          <a:p>
+            <a:r>
+              <a:rPr lang="pt-BR" dirty="0" err="1"/>
+              <a:t>Fragments</a:t>
+            </a:r>
+            <a:endParaRPr lang="pt-BR" dirty="0"/>
+          </a:p>
+        </p:txBody>
+      </p:sp>
+      <p:sp>
+        <p:nvSpPr>
+          <p:cNvPr id="3" name="Espaço Reservado para Conteúdo 2"/>
+          <p:cNvSpPr>
+            <a:spLocks noGrp="1"/>
+          </p:cNvSpPr>
+          <p:nvPr>
+            <p:ph idx="1"/>
+          </p:nvPr>
+        </p:nvSpPr>
+        <p:spPr/>
+        <p:txBody>
+          <a:bodyPr>
+            <a:normAutofit lnSpcReduction="10000"/>
+          </a:bodyPr>
+          <a:lstStyle/>
+          <a:p>
+            <a:r>
+              <a:rPr lang="pt-BR" dirty="0" smtClean="0"/>
+              <a:t>Maior flexibilidade no layout;</a:t>
+            </a:r>
+          </a:p>
+          <a:p>
+            <a:endParaRPr lang="pt-BR" dirty="0"/>
+          </a:p>
+          <a:p>
+            <a:endParaRPr lang="pt-BR" dirty="0" smtClean="0"/>
+          </a:p>
+          <a:p>
+            <a:endParaRPr lang="pt-BR" dirty="0"/>
+          </a:p>
+          <a:p>
+            <a:endParaRPr lang="pt-BR" dirty="0" smtClean="0"/>
+          </a:p>
+          <a:p>
+            <a:endParaRPr lang="pt-BR" dirty="0"/>
+          </a:p>
+          <a:p>
+            <a:endParaRPr lang="pt-BR" dirty="0" smtClean="0"/>
+          </a:p>
+          <a:p>
+            <a:r>
+              <a:rPr lang="pt-BR" dirty="0"/>
+              <a:t>Referência: https://developer.android.com/guide/components/fragments.html?hl=pt-br</a:t>
+            </a:r>
+          </a:p>
+        </p:txBody>
+      </p:sp>
+      <p:sp>
+        <p:nvSpPr>
+          <p:cNvPr id="4" name="Espaço Reservado para Número de Slide 3"/>
+          <p:cNvSpPr>
+            <a:spLocks noGrp="1"/>
+          </p:cNvSpPr>
+          <p:nvPr>
+            <p:ph type="sldNum" sz="quarter" idx="12"/>
+          </p:nvPr>
+        </p:nvSpPr>
+        <p:spPr/>
+        <p:txBody>
+          <a:bodyPr/>
+          <a:lstStyle/>
+          <a:p>
+            <a:fld id="{2119D8CF-8DEC-4D9F-84EE-ADF04DFF3391}" type="slidenum">
+              <a:rPr lang="pt-BR" smtClean="0"/>
+              <a:pPr/>
+              <a:t>36</a:t>
             </a:fld>
             <a:endParaRPr lang="pt-BR"/>
           </a:p>
@@ -9684,7 +9866,7 @@
 </p:sld>
 </file>
 
-<file path=ppt/slides/slide36.xml><?xml version="1.0" encoding="utf-8"?>
+<file path=ppt/slides/slide37.xml><?xml version="1.0" encoding="utf-8"?>
 <p:sld xmlns:a="http://schemas.openxmlformats.org/drawingml/2006/main" xmlns:r="http://schemas.openxmlformats.org/officeDocument/2006/relationships" xmlns:p="http://schemas.openxmlformats.org/presentationml/2006/main">
   <p:cSld>
     <p:spTree>
@@ -9747,7 +9929,7 @@
             <a:fld id="{2119D8CF-8DEC-4D9F-84EE-ADF04DFF3391}" type="slidenum">
               <a:rPr lang="pt-BR" smtClean="0"/>
               <a:pPr/>
-              <a:t>36</a:t>
+              <a:t>37</a:t>
             </a:fld>
             <a:endParaRPr lang="pt-BR"/>
           </a:p>
@@ -9816,7 +9998,7 @@
 </p:sld>
 </file>
 
-<file path=ppt/slides/slide37.xml><?xml version="1.0" encoding="utf-8"?>
+<file path=ppt/slides/slide38.xml><?xml version="1.0" encoding="utf-8"?>
 <p:sld xmlns:a="http://schemas.openxmlformats.org/drawingml/2006/main" xmlns:r="http://schemas.openxmlformats.org/officeDocument/2006/relationships" xmlns:p="http://schemas.openxmlformats.org/presentationml/2006/main">
   <p:cSld>
     <p:spTree>
@@ -9851,7 +10033,7 @@
             <a:fld id="{2119D8CF-8DEC-4D9F-84EE-ADF04DFF3391}" type="slidenum">
               <a:rPr lang="pt-BR" smtClean="0"/>
               <a:pPr/>
-              <a:t>37</a:t>
+              <a:t>38</a:t>
             </a:fld>
             <a:endParaRPr lang="pt-BR"/>
           </a:p>
@@ -9918,170 +10100,6 @@
 </p:sld>
 </file>
 
-<file path=ppt/slides/slide38.xml><?xml version="1.0" encoding="utf-8"?>
-<p:sld xmlns:a="http://schemas.openxmlformats.org/drawingml/2006/main" xmlns:r="http://schemas.openxmlformats.org/officeDocument/2006/relationships" xmlns:p="http://schemas.openxmlformats.org/presentationml/2006/main">
-  <p:cSld>
-    <p:spTree>
-      <p:nvGrpSpPr>
-        <p:cNvPr id="1" name=""/>
-        <p:cNvGrpSpPr/>
-        <p:nvPr/>
-      </p:nvGrpSpPr>
-      <p:grpSpPr>
-        <a:xfrm>
-          <a:off x="0" y="0"/>
-          <a:ext cx="0" cy="0"/>
-          <a:chOff x="0" y="0"/>
-          <a:chExt cx="0" cy="0"/>
-        </a:xfrm>
-      </p:grpSpPr>
-      <p:sp>
-        <p:nvSpPr>
-          <p:cNvPr id="2" name="Título 1"/>
-          <p:cNvSpPr>
-            <a:spLocks noGrp="1"/>
-          </p:cNvSpPr>
-          <p:nvPr>
-            <p:ph type="title"/>
-          </p:nvPr>
-        </p:nvSpPr>
-        <p:spPr/>
-        <p:txBody>
-          <a:bodyPr>
-            <a:normAutofit/>
-          </a:bodyPr>
-          <a:lstStyle/>
-          <a:p>
-            <a:r>
-              <a:rPr lang="pt-BR" dirty="0" err="1" smtClean="0"/>
-              <a:t>SharedPreferences</a:t>
-            </a:r>
-            <a:endParaRPr lang="pt-BR" dirty="0"/>
-          </a:p>
-        </p:txBody>
-      </p:sp>
-      <p:sp>
-        <p:nvSpPr>
-          <p:cNvPr id="3" name="Espaço Reservado para Conteúdo 2"/>
-          <p:cNvSpPr>
-            <a:spLocks noGrp="1"/>
-          </p:cNvSpPr>
-          <p:nvPr>
-            <p:ph idx="1"/>
-          </p:nvPr>
-        </p:nvSpPr>
-        <p:spPr/>
-        <p:txBody>
-          <a:bodyPr>
-            <a:normAutofit lnSpcReduction="10000"/>
-          </a:bodyPr>
-          <a:lstStyle/>
-          <a:p>
-            <a:r>
-              <a:rPr lang="pt-BR" dirty="0" smtClean="0"/>
-              <a:t>Permite persistir dados (chave-valor) por uma aplicação;</a:t>
-            </a:r>
-          </a:p>
-          <a:p>
-            <a:endParaRPr lang="pt-BR" dirty="0"/>
-          </a:p>
-          <a:p>
-            <a:r>
-              <a:rPr lang="pt-BR" dirty="0" err="1" smtClean="0"/>
-              <a:t>String</a:t>
-            </a:r>
-            <a:r>
-              <a:rPr lang="pt-BR" dirty="0" smtClean="0"/>
-              <a:t>, </a:t>
-            </a:r>
-            <a:r>
-              <a:rPr lang="pt-BR" dirty="0" err="1" smtClean="0"/>
-              <a:t>int</a:t>
-            </a:r>
-            <a:r>
-              <a:rPr lang="pt-BR" dirty="0" smtClean="0"/>
-              <a:t>, </a:t>
-            </a:r>
-            <a:r>
-              <a:rPr lang="pt-BR" dirty="0" err="1" smtClean="0"/>
-              <a:t>float</a:t>
-            </a:r>
-            <a:r>
-              <a:rPr lang="pt-BR" dirty="0" smtClean="0"/>
-              <a:t>,...</a:t>
-            </a:r>
-          </a:p>
-          <a:p>
-            <a:endParaRPr lang="pt-BR" dirty="0"/>
-          </a:p>
-          <a:p>
-            <a:r>
-              <a:rPr lang="pt-BR" dirty="0" smtClean="0"/>
-              <a:t>Recomendado para pequenas quantidades de dados;</a:t>
-            </a:r>
-          </a:p>
-          <a:p>
-            <a:pPr marL="0" indent="0">
-              <a:buNone/>
-            </a:pPr>
-            <a:endParaRPr lang="pt-BR" dirty="0" smtClean="0"/>
-          </a:p>
-          <a:p>
-            <a:r>
-              <a:rPr lang="pt-BR" dirty="0" smtClean="0"/>
-              <a:t>Referência: https</a:t>
-            </a:r>
-            <a:r>
-              <a:rPr lang="pt-BR" dirty="0"/>
-              <a:t>://developer.android.com/training/data-storage/shared-preferences.html</a:t>
-            </a:r>
-          </a:p>
-        </p:txBody>
-      </p:sp>
-      <p:sp>
-        <p:nvSpPr>
-          <p:cNvPr id="4" name="Espaço Reservado para Número de Slide 3"/>
-          <p:cNvSpPr>
-            <a:spLocks noGrp="1"/>
-          </p:cNvSpPr>
-          <p:nvPr>
-            <p:ph type="sldNum" sz="quarter" idx="12"/>
-          </p:nvPr>
-        </p:nvSpPr>
-        <p:spPr/>
-        <p:txBody>
-          <a:bodyPr/>
-          <a:lstStyle/>
-          <a:p>
-            <a:fld id="{2119D8CF-8DEC-4D9F-84EE-ADF04DFF3391}" type="slidenum">
-              <a:rPr lang="pt-BR" smtClean="0"/>
-              <a:pPr/>
-              <a:t>38</a:t>
-            </a:fld>
-            <a:endParaRPr lang="pt-BR"/>
-          </a:p>
-        </p:txBody>
-      </p:sp>
-    </p:spTree>
-    <p:extLst>
-      <p:ext uri="{BB962C8B-B14F-4D97-AF65-F5344CB8AC3E}">
-        <p14:creationId xmlns:p14="http://schemas.microsoft.com/office/powerpoint/2010/main" val="3543182215"/>
-      </p:ext>
-    </p:extLst>
-  </p:cSld>
-  <p:clrMapOvr>
-    <a:masterClrMapping/>
-  </p:clrMapOvr>
-  <p:timing>
-    <p:tnLst>
-      <p:par>
-        <p:cTn id="1" dur="indefinite" restart="never" nodeType="tmRoot"/>
-      </p:par>
-    </p:tnLst>
-  </p:timing>
-</p:sld>
-</file>
-
 <file path=ppt/slides/slide39.xml><?xml version="1.0" encoding="utf-8"?>
 <p:sld xmlns:a="http://schemas.openxmlformats.org/drawingml/2006/main" xmlns:r="http://schemas.openxmlformats.org/officeDocument/2006/relationships" xmlns:p="http://schemas.openxmlformats.org/presentationml/2006/main">
   <p:cSld>
@@ -10111,65 +10129,93 @@
         </p:nvSpPr>
         <p:spPr/>
         <p:txBody>
-          <a:bodyPr/>
-          <a:lstStyle/>
-          <a:p>
-            <a:r>
-              <a:rPr lang="pt-BR" dirty="0" err="1" smtClean="0"/>
-              <a:t>SQLite</a:t>
-            </a:r>
-            <a:endParaRPr lang="pt-BR" dirty="0"/>
-          </a:p>
-        </p:txBody>
-      </p:sp>
-      <p:sp>
-        <p:nvSpPr>
-          <p:cNvPr id="3" name="Espaço Reservado para Conteúdo 2"/>
-          <p:cNvSpPr>
-            <a:spLocks noGrp="1"/>
-          </p:cNvSpPr>
-          <p:nvPr>
-            <p:ph idx="1"/>
-          </p:nvPr>
-        </p:nvSpPr>
-        <p:spPr/>
-        <p:txBody>
           <a:bodyPr>
             <a:normAutofit/>
           </a:bodyPr>
           <a:lstStyle/>
           <a:p>
             <a:r>
-              <a:rPr lang="pt-BR" dirty="0" smtClean="0"/>
-              <a:t>Para dados estruturados e que tendem a se repetir;</a:t>
-            </a:r>
-          </a:p>
-          <a:p>
+              <a:rPr lang="pt-BR" dirty="0" err="1" smtClean="0"/>
+              <a:t>SharedPreferences</a:t>
+            </a:r>
             <a:endParaRPr lang="pt-BR" dirty="0"/>
           </a:p>
-          <a:p>
-            <a:r>
-              <a:rPr lang="pt-BR" dirty="0" smtClean="0"/>
-              <a:t>Base local;</a:t>
+        </p:txBody>
+      </p:sp>
+      <p:sp>
+        <p:nvSpPr>
+          <p:cNvPr id="3" name="Espaço Reservado para Conteúdo 2"/>
+          <p:cNvSpPr>
+            <a:spLocks noGrp="1"/>
+          </p:cNvSpPr>
+          <p:nvPr>
+            <p:ph idx="1"/>
+          </p:nvPr>
+        </p:nvSpPr>
+        <p:spPr/>
+        <p:txBody>
+          <a:bodyPr>
+            <a:normAutofit lnSpcReduction="10000"/>
+          </a:bodyPr>
+          <a:lstStyle/>
+          <a:p>
+            <a:r>
+              <a:rPr lang="pt-BR" dirty="0" smtClean="0"/>
+              <a:t>Permite persistir dados (chave-valor) por uma aplicação;</a:t>
             </a:r>
           </a:p>
           <a:p>
             <a:endParaRPr lang="pt-BR" dirty="0"/>
           </a:p>
           <a:p>
+            <a:r>
+              <a:rPr lang="pt-BR" dirty="0" err="1" smtClean="0"/>
+              <a:t>String</a:t>
+            </a:r>
+            <a:r>
+              <a:rPr lang="pt-BR" dirty="0" smtClean="0"/>
+              <a:t>, </a:t>
+            </a:r>
+            <a:r>
+              <a:rPr lang="pt-BR" dirty="0" err="1" smtClean="0"/>
+              <a:t>int</a:t>
+            </a:r>
+            <a:r>
+              <a:rPr lang="pt-BR" dirty="0" smtClean="0"/>
+              <a:t>, </a:t>
+            </a:r>
+            <a:r>
+              <a:rPr lang="pt-BR" dirty="0" err="1" smtClean="0"/>
+              <a:t>float</a:t>
+            </a:r>
+            <a:r>
+              <a:rPr lang="pt-BR" dirty="0" smtClean="0"/>
+              <a:t>,...</a:t>
+            </a:r>
+          </a:p>
+          <a:p>
+            <a:endParaRPr lang="pt-BR" dirty="0"/>
+          </a:p>
+          <a:p>
+            <a:r>
+              <a:rPr lang="pt-BR" dirty="0" smtClean="0"/>
+              <a:t>Recomendado para pequenas quantidades de dados;</a:t>
+            </a:r>
+          </a:p>
+          <a:p>
+            <a:pPr marL="0" indent="0">
+              <a:buNone/>
+            </a:pPr>
             <a:endParaRPr lang="pt-BR" dirty="0" smtClean="0"/>
           </a:p>
           <a:p>
-            <a:endParaRPr lang="pt-BR" dirty="0"/>
-          </a:p>
-          <a:p>
-            <a:r>
-              <a:rPr lang="pt-BR" dirty="0" smtClean="0"/>
-              <a:t>Referência</a:t>
+            <a:r>
+              <a:rPr lang="pt-BR" dirty="0" smtClean="0"/>
+              <a:t>Referência: https</a:t>
             </a:r>
             <a:r>
               <a:rPr lang="pt-BR" dirty="0"/>
-              <a:t>: https://developer.android.com/training/basics/data-storage/databases.html?hl=pt-br</a:t>
+              <a:t>://developer.android.com/training/data-storage/shared-preferences.html</a:t>
             </a:r>
           </a:p>
         </p:txBody>
@@ -10201,7 +10247,7 @@
     </p:spTree>
     <p:extLst>
       <p:ext uri="{BB962C8B-B14F-4D97-AF65-F5344CB8AC3E}">
-        <p14:creationId xmlns:p14="http://schemas.microsoft.com/office/powerpoint/2010/main" val="3287718762"/>
+        <p14:creationId xmlns:p14="http://schemas.microsoft.com/office/powerpoint/2010/main" val="3543182215"/>
       </p:ext>
     </p:extLst>
   </p:cSld>
@@ -10438,8 +10484,8 @@
           <a:lstStyle/>
           <a:p>
             <a:r>
-              <a:rPr lang="pt-BR" dirty="0" smtClean="0"/>
-              <a:t>Obrigado</a:t>
+              <a:rPr lang="pt-BR" dirty="0" err="1" smtClean="0"/>
+              <a:t>SQLite</a:t>
             </a:r>
             <a:endParaRPr lang="pt-BR" dirty="0"/>
           </a:p>
@@ -10457,10 +10503,43 @@
         </p:nvSpPr>
         <p:spPr/>
         <p:txBody>
-          <a:bodyPr/>
-          <a:lstStyle/>
+          <a:bodyPr>
+            <a:normAutofit/>
+          </a:bodyPr>
+          <a:lstStyle/>
+          <a:p>
+            <a:r>
+              <a:rPr lang="pt-BR" dirty="0" smtClean="0"/>
+              <a:t>Para dados estruturados e que tendem a se repetir;</a:t>
+            </a:r>
+          </a:p>
           <a:p>
             <a:endParaRPr lang="pt-BR" dirty="0"/>
+          </a:p>
+          <a:p>
+            <a:r>
+              <a:rPr lang="pt-BR" dirty="0" smtClean="0"/>
+              <a:t>Base local;</a:t>
+            </a:r>
+          </a:p>
+          <a:p>
+            <a:endParaRPr lang="pt-BR" dirty="0"/>
+          </a:p>
+          <a:p>
+            <a:endParaRPr lang="pt-BR" dirty="0" smtClean="0"/>
+          </a:p>
+          <a:p>
+            <a:endParaRPr lang="pt-BR" dirty="0"/>
+          </a:p>
+          <a:p>
+            <a:r>
+              <a:rPr lang="pt-BR" dirty="0" smtClean="0"/>
+              <a:t>Referência</a:t>
+            </a:r>
+            <a:r>
+              <a:rPr lang="pt-BR" dirty="0"/>
+              <a:t>: https://developer.android.com/training/basics/data-storage/databases.html?hl=pt-br</a:t>
+            </a:r>
           </a:p>
         </p:txBody>
       </p:sp>
@@ -10483,6 +10562,109 @@
               <a:rPr lang="pt-BR" smtClean="0"/>
               <a:pPr/>
               <a:t>40</a:t>
+            </a:fld>
+            <a:endParaRPr lang="pt-BR"/>
+          </a:p>
+        </p:txBody>
+      </p:sp>
+    </p:spTree>
+    <p:extLst>
+      <p:ext uri="{BB962C8B-B14F-4D97-AF65-F5344CB8AC3E}">
+        <p14:creationId xmlns:p14="http://schemas.microsoft.com/office/powerpoint/2010/main" val="3287718762"/>
+      </p:ext>
+    </p:extLst>
+  </p:cSld>
+  <p:clrMapOvr>
+    <a:masterClrMapping/>
+  </p:clrMapOvr>
+  <p:timing>
+    <p:tnLst>
+      <p:par>
+        <p:cTn id="1" dur="indefinite" restart="never" nodeType="tmRoot"/>
+      </p:par>
+    </p:tnLst>
+  </p:timing>
+</p:sld>
+</file>
+
+<file path=ppt/slides/slide41.xml><?xml version="1.0" encoding="utf-8"?>
+<p:sld xmlns:a="http://schemas.openxmlformats.org/drawingml/2006/main" xmlns:r="http://schemas.openxmlformats.org/officeDocument/2006/relationships" xmlns:p="http://schemas.openxmlformats.org/presentationml/2006/main">
+  <p:cSld>
+    <p:spTree>
+      <p:nvGrpSpPr>
+        <p:cNvPr id="1" name=""/>
+        <p:cNvGrpSpPr/>
+        <p:nvPr/>
+      </p:nvGrpSpPr>
+      <p:grpSpPr>
+        <a:xfrm>
+          <a:off x="0" y="0"/>
+          <a:ext cx="0" cy="0"/>
+          <a:chOff x="0" y="0"/>
+          <a:chExt cx="0" cy="0"/>
+        </a:xfrm>
+      </p:grpSpPr>
+      <p:sp>
+        <p:nvSpPr>
+          <p:cNvPr id="2" name="Título 1"/>
+          <p:cNvSpPr>
+            <a:spLocks noGrp="1"/>
+          </p:cNvSpPr>
+          <p:nvPr>
+            <p:ph type="title"/>
+          </p:nvPr>
+        </p:nvSpPr>
+        <p:spPr/>
+        <p:txBody>
+          <a:bodyPr/>
+          <a:lstStyle/>
+          <a:p>
+            <a:r>
+              <a:rPr lang="pt-BR" dirty="0" smtClean="0"/>
+              <a:t>Obrigado</a:t>
+            </a:r>
+            <a:endParaRPr lang="pt-BR" dirty="0"/>
+          </a:p>
+        </p:txBody>
+      </p:sp>
+      <p:sp>
+        <p:nvSpPr>
+          <p:cNvPr id="3" name="Espaço Reservado para Conteúdo 2"/>
+          <p:cNvSpPr>
+            <a:spLocks noGrp="1"/>
+          </p:cNvSpPr>
+          <p:nvPr>
+            <p:ph idx="1"/>
+          </p:nvPr>
+        </p:nvSpPr>
+        <p:spPr/>
+        <p:txBody>
+          <a:bodyPr/>
+          <a:lstStyle/>
+          <a:p>
+            <a:endParaRPr lang="pt-BR" dirty="0"/>
+          </a:p>
+        </p:txBody>
+      </p:sp>
+      <p:sp>
+        <p:nvSpPr>
+          <p:cNvPr id="4" name="Espaço Reservado para Número de Slide 3"/>
+          <p:cNvSpPr>
+            <a:spLocks noGrp="1"/>
+          </p:cNvSpPr>
+          <p:nvPr>
+            <p:ph type="sldNum" sz="quarter" idx="12"/>
+          </p:nvPr>
+        </p:nvSpPr>
+        <p:spPr/>
+        <p:txBody>
+          <a:bodyPr/>
+          <a:lstStyle/>
+          <a:p>
+            <a:fld id="{2119D8CF-8DEC-4D9F-84EE-ADF04DFF3391}" type="slidenum">
+              <a:rPr lang="pt-BR" smtClean="0"/>
+              <a:pPr/>
+              <a:t>41</a:t>
             </a:fld>
             <a:endParaRPr lang="pt-BR"/>
           </a:p>

--- a/Aula01.pptx
+++ b/Aula01.pptx
@@ -239,7 +239,7 @@
             <a:fld id="{4FC57188-328F-409D-ABFB-91E1B6C5CBEE}" type="datetimeFigureOut">
               <a:rPr lang="pt-BR" smtClean="0"/>
               <a:pPr/>
-              <a:t>23/03/2018</a:t>
+              <a:t>24/03/2018</a:t>
             </a:fld>
             <a:endParaRPr lang="pt-BR"/>
           </a:p>
@@ -767,7 +767,7 @@
             <a:fld id="{C1D1DBAD-5489-4EDB-8C36-EEBBA31CE2AB}" type="datetime1">
               <a:rPr lang="pt-BR" smtClean="0"/>
               <a:pPr/>
-              <a:t>23/03/2018</a:t>
+              <a:t>24/03/2018</a:t>
             </a:fld>
             <a:endParaRPr lang="pt-BR"/>
           </a:p>
@@ -934,7 +934,7 @@
             <a:fld id="{0648C560-E8F5-4568-98A8-F600B0D8A4F0}" type="datetime1">
               <a:rPr lang="pt-BR" smtClean="0"/>
               <a:pPr/>
-              <a:t>23/03/2018</a:t>
+              <a:t>24/03/2018</a:t>
             </a:fld>
             <a:endParaRPr lang="pt-BR"/>
           </a:p>
@@ -1111,7 +1111,7 @@
             <a:fld id="{A261A9BA-C3FF-4FA8-B5C7-51100E834B63}" type="datetime1">
               <a:rPr lang="pt-BR" smtClean="0"/>
               <a:pPr/>
-              <a:t>23/03/2018</a:t>
+              <a:t>24/03/2018</a:t>
             </a:fld>
             <a:endParaRPr lang="pt-BR"/>
           </a:p>
@@ -1278,7 +1278,7 @@
             <a:fld id="{20F63199-19BE-4345-8186-3FE6ABEF2D1B}" type="datetime1">
               <a:rPr lang="pt-BR" smtClean="0"/>
               <a:pPr/>
-              <a:t>23/03/2018</a:t>
+              <a:t>24/03/2018</a:t>
             </a:fld>
             <a:endParaRPr lang="pt-BR"/>
           </a:p>
@@ -1529,7 +1529,7 @@
             <a:fld id="{6267C653-65CA-451C-AA6B-70D341279164}" type="datetime1">
               <a:rPr lang="pt-BR" smtClean="0"/>
               <a:pPr/>
-              <a:t>23/03/2018</a:t>
+              <a:t>24/03/2018</a:t>
             </a:fld>
             <a:endParaRPr lang="pt-BR"/>
           </a:p>
@@ -1795,7 +1795,7 @@
             <a:fld id="{9F4FDE23-7AD0-441F-B625-D091A50DCADC}" type="datetime1">
               <a:rPr lang="pt-BR" smtClean="0"/>
               <a:pPr/>
-              <a:t>23/03/2018</a:t>
+              <a:t>24/03/2018</a:t>
             </a:fld>
             <a:endParaRPr lang="pt-BR"/>
           </a:p>
@@ -2175,7 +2175,7 @@
             <a:fld id="{CB13160C-8BAD-40DB-9688-531D9DF7DCD3}" type="datetime1">
               <a:rPr lang="pt-BR" smtClean="0"/>
               <a:pPr/>
-              <a:t>23/03/2018</a:t>
+              <a:t>24/03/2018</a:t>
             </a:fld>
             <a:endParaRPr lang="pt-BR"/>
           </a:p>
@@ -2327,7 +2327,7 @@
             <a:fld id="{26C0299F-E4FE-4103-85D5-56468E3D35D4}" type="datetime1">
               <a:rPr lang="pt-BR" smtClean="0"/>
               <a:pPr/>
-              <a:t>23/03/2018</a:t>
+              <a:t>24/03/2018</a:t>
             </a:fld>
             <a:endParaRPr lang="pt-BR"/>
           </a:p>
@@ -2419,7 +2419,7 @@
             <a:fld id="{655C7A29-7872-454C-8B8E-A38679A91596}" type="datetime1">
               <a:rPr lang="pt-BR" smtClean="0"/>
               <a:pPr/>
-              <a:t>23/03/2018</a:t>
+              <a:t>24/03/2018</a:t>
             </a:fld>
             <a:endParaRPr lang="pt-BR"/>
           </a:p>
@@ -2682,7 +2682,7 @@
             <a:fld id="{776E30D2-4101-44C7-B6AE-43D92E248AD0}" type="datetime1">
               <a:rPr lang="pt-BR" smtClean="0"/>
               <a:pPr/>
-              <a:t>23/03/2018</a:t>
+              <a:t>24/03/2018</a:t>
             </a:fld>
             <a:endParaRPr lang="pt-BR"/>
           </a:p>
@@ -2972,7 +2972,7 @@
             <a:fld id="{A9B7A1D8-8FEA-4761-ADA2-5B7EC3F0A03C}" type="datetime1">
               <a:rPr lang="pt-BR" smtClean="0"/>
               <a:pPr/>
-              <a:t>23/03/2018</a:t>
+              <a:t>24/03/2018</a:t>
             </a:fld>
             <a:endParaRPr lang="pt-BR"/>
           </a:p>
@@ -3745,7 +3745,7 @@
             <a:fld id="{D9F0E698-E276-4BE3-A092-15CA1BEF6177}" type="datetime1">
               <a:rPr lang="pt-BR" smtClean="0"/>
               <a:pPr/>
-              <a:t>23/03/2018</a:t>
+              <a:t>24/03/2018</a:t>
             </a:fld>
             <a:endParaRPr lang="pt-BR"/>
           </a:p>
@@ -4450,11 +4450,18 @@
           </a:p>
           <a:p>
             <a:r>
-              <a:rPr lang="pt-BR" sz="3400" dirty="0" smtClean="0"/>
+              <a:rPr lang="pt-BR" sz="3400" dirty="0" smtClean="0">
+                <a:hlinkClick r:id="rId2"/>
+              </a:rPr>
               <a:t>leonardopordeus@gmail.com</a:t>
             </a:r>
-          </a:p>
-          <a:p>
+            <a:endParaRPr lang="pt-BR" sz="3400" dirty="0" smtClean="0"/>
+          </a:p>
+          <a:p>
+            <a:r>
+              <a:rPr lang="pt-BR" sz="3400" dirty="0"/>
+              <a:t>https://github.com/leonardopordeus/android</a:t>
+            </a:r>
             <a:endParaRPr lang="pt-BR" sz="3400" dirty="0" smtClean="0"/>
           </a:p>
           <a:p>
@@ -4490,7 +4497,7 @@
           <p:nvPr/>
         </p:nvPicPr>
         <p:blipFill>
-          <a:blip r:embed="rId2">
+          <a:blip r:embed="rId3">
             <a:extLst>
               <a:ext uri="{28A0092B-C50C-407E-A947-70E740481C1C}">
                 <a14:useLocalDpi xmlns:a14="http://schemas.microsoft.com/office/drawing/2010/main" val="0"/>
@@ -7144,6 +7151,13 @@
   <p:clrMapOvr>
     <a:masterClrMapping/>
   </p:clrMapOvr>
+  <p:timing>
+    <p:tnLst>
+      <p:par>
+        <p:cTn id="1" dur="indefinite" restart="never" nodeType="tmRoot"/>
+      </p:par>
+    </p:tnLst>
+  </p:timing>
 </p:sld>
 </file>
 
